--- a/UQ_2D_metamaterials_2nd_geo.pptx
+++ b/UQ_2D_metamaterials_2nd_geo.pptx
@@ -288,7 +288,7 @@
           <a:p>
             <a:fld id="{5B2A9559-5325-4FFA-A5F2-CBDDB1074751}" type="datetimeFigureOut">
               <a:rPr lang="en-US" smtClean="0"/>
-              <a:t>9/6/2023</a:t>
+              <a:t>9/7/2023</a:t>
             </a:fld>
             <a:endParaRPr lang="en-US"/>
           </a:p>
@@ -1180,7 +1180,7 @@
           <a:p>
             <a:fld id="{43789B8F-7842-4BEF-9976-1EE74F57C738}" type="datetime1">
               <a:rPr lang="en-US" smtClean="0"/>
-              <a:t>9/6/2023</a:t>
+              <a:t>9/7/2023</a:t>
             </a:fld>
             <a:endParaRPr lang="en-US"/>
           </a:p>
@@ -1412,7 +1412,7 @@
           <a:p>
             <a:fld id="{050F5937-DD26-4F95-A0ED-C31A278A1247}" type="datetime1">
               <a:rPr lang="en-US" smtClean="0"/>
-              <a:t>9/6/2023</a:t>
+              <a:t>9/7/2023</a:t>
             </a:fld>
             <a:endParaRPr lang="en-US"/>
           </a:p>
@@ -1879,7 +1879,7 @@
           <a:p>
             <a:fld id="{49F581DC-F6E5-4AEE-98F3-A1977368E94D}" type="datetime1">
               <a:rPr lang="en-US" smtClean="0"/>
-              <a:t>9/6/2023</a:t>
+              <a:t>9/7/2023</a:t>
             </a:fld>
             <a:endParaRPr lang="en-US"/>
           </a:p>
@@ -2199,7 +2199,7 @@
           <a:p>
             <a:fld id="{A23148C6-A681-474A-852B-6488E264F1FD}" type="datetime1">
               <a:rPr lang="en-US" smtClean="0"/>
-              <a:t>9/6/2023</a:t>
+              <a:t>9/7/2023</a:t>
             </a:fld>
             <a:endParaRPr lang="en-US"/>
           </a:p>
@@ -2666,7 +2666,7 @@
           <a:p>
             <a:fld id="{E05877EE-87E6-4A80-A3D1-647EBC487900}" type="datetime1">
               <a:rPr lang="en-US" smtClean="0"/>
-              <a:t>9/6/2023</a:t>
+              <a:t>9/7/2023</a:t>
             </a:fld>
             <a:endParaRPr lang="en-US"/>
           </a:p>
@@ -3196,7 +3196,7 @@
           <a:p>
             <a:fld id="{1F39E345-7F84-425C-B838-418A9624F210}" type="datetime1">
               <a:rPr lang="en-US" smtClean="0"/>
-              <a:t>9/6/2023</a:t>
+              <a:t>9/7/2023</a:t>
             </a:fld>
             <a:endParaRPr lang="en-US"/>
           </a:p>
@@ -3511,7 +3511,7 @@
           <a:p>
             <a:fld id="{F90E5D04-5C5D-47CC-BDED-D4EAD1A4B7F8}" type="datetime1">
               <a:rPr lang="en-US" smtClean="0"/>
-              <a:t>9/6/2023</a:t>
+              <a:t>9/7/2023</a:t>
             </a:fld>
             <a:endParaRPr lang="en-US"/>
           </a:p>
@@ -3859,7 +3859,7 @@
           <a:p>
             <a:fld id="{B019BD83-B2B4-4833-86B7-8D5583952E34}" type="datetime1">
               <a:rPr lang="en-US" smtClean="0"/>
-              <a:t>9/6/2023</a:t>
+              <a:t>9/7/2023</a:t>
             </a:fld>
             <a:endParaRPr lang="en-US"/>
           </a:p>
@@ -7596,13 +7596,13 @@
         <p:spPr/>
         <p:txBody>
           <a:bodyPr>
-            <a:normAutofit fontScale="90000"/>
+            <a:noAutofit/>
           </a:bodyPr>
           <a:lstStyle/>
           <a:p>
             <a:r>
-              <a:rPr lang="en-US" dirty="0"/>
-              <a:t>Edge Pixel Flip Chance – Geometry Generation</a:t>
+              <a:rPr lang="en-US" sz="3600" dirty="0"/>
+              <a:t>Edge Pixel Flip Proportion – Geometry Generation</a:t>
             </a:r>
           </a:p>
         </p:txBody>
@@ -8239,14 +8239,6 @@
 </file>
 
 <file path=customXml/item1.xml><?xml version="1.0" encoding="utf-8"?>
-<p:properties xmlns:p="http://schemas.microsoft.com/office/2006/metadata/properties" xmlns:xsi="http://www.w3.org/2001/XMLSchema-instance" xmlns:pc="http://schemas.microsoft.com/office/infopath/2007/PartnerControls">
-  <documentManagement>
-    <_activity xmlns="5ab46313-7834-4214-aec9-155b2fe37111" xsi:nil="true"/>
-  </documentManagement>
-</p:properties>
-</file>
-
-<file path=customXml/item2.xml><?xml version="1.0" encoding="utf-8"?>
 <ct:contentTypeSchema xmlns:ct="http://schemas.microsoft.com/office/2006/metadata/contentType" xmlns:ma="http://schemas.microsoft.com/office/2006/metadata/properties/metaAttributes" ct:_="" ma:_="" ma:contentTypeName="Document" ma:contentTypeID="0x0101008C6D81289CCC004F972E63C671B7D298" ma:contentTypeVersion="11" ma:contentTypeDescription="Create a new document." ma:contentTypeScope="" ma:versionID="f0a023cf506d87bb97b51fb4161b9eba">
   <xsd:schema xmlns:xsd="http://www.w3.org/2001/XMLSchema" xmlns:xs="http://www.w3.org/2001/XMLSchema" xmlns:p="http://schemas.microsoft.com/office/2006/metadata/properties" xmlns:ns3="5ab46313-7834-4214-aec9-155b2fe37111" xmlns:ns4="2d1aa6b7-1a0a-46e3-8f70-b6d3e32cbd9a" targetNamespace="http://schemas.microsoft.com/office/2006/metadata/properties" ma:root="true" ma:fieldsID="fb8935dbd9c171815cb087e97e0838ff" ns3:_="" ns4:_="">
     <xsd:import namespace="5ab46313-7834-4214-aec9-155b2fe37111"/>
@@ -8455,6 +8447,14 @@
 </ct:contentTypeSchema>
 </file>
 
+<file path=customXml/item2.xml><?xml version="1.0" encoding="utf-8"?>
+<p:properties xmlns:p="http://schemas.microsoft.com/office/2006/metadata/properties" xmlns:xsi="http://www.w3.org/2001/XMLSchema-instance" xmlns:pc="http://schemas.microsoft.com/office/infopath/2007/PartnerControls">
+  <documentManagement>
+    <_activity xmlns="5ab46313-7834-4214-aec9-155b2fe37111" xsi:nil="true"/>
+  </documentManagement>
+</p:properties>
+</file>
+
 <file path=customXml/item3.xml><?xml version="1.0" encoding="utf-8"?>
 <?mso-contentType ?>
 <FormTemplates xmlns="http://schemas.microsoft.com/sharepoint/v3/contenttype/forms">
@@ -8465,23 +8465,6 @@
 </file>
 
 <file path=customXml/itemProps1.xml><?xml version="1.0" encoding="utf-8"?>
-<ds:datastoreItem xmlns:ds="http://schemas.openxmlformats.org/officeDocument/2006/customXml" ds:itemID="{0748A49F-C736-4524-BB36-F11018D26634}">
-  <ds:schemaRefs>
-    <ds:schemaRef ds:uri="http://schemas.openxmlformats.org/package/2006/metadata/core-properties"/>
-    <ds:schemaRef ds:uri="http://purl.org/dc/elements/1.1/"/>
-    <ds:schemaRef ds:uri="http://schemas.microsoft.com/office/infopath/2007/PartnerControls"/>
-    <ds:schemaRef ds:uri="2d1aa6b7-1a0a-46e3-8f70-b6d3e32cbd9a"/>
-    <ds:schemaRef ds:uri="http://purl.org/dc/dcmitype/"/>
-    <ds:schemaRef ds:uri="5ab46313-7834-4214-aec9-155b2fe37111"/>
-    <ds:schemaRef ds:uri="http://schemas.microsoft.com/office/2006/documentManagement/types"/>
-    <ds:schemaRef ds:uri="http://schemas.microsoft.com/office/2006/metadata/properties"/>
-    <ds:schemaRef ds:uri="http://www.w3.org/XML/1998/namespace"/>
-    <ds:schemaRef ds:uri="http://purl.org/dc/terms/"/>
-  </ds:schemaRefs>
-</ds:datastoreItem>
-</file>
-
-<file path=customXml/itemProps2.xml><?xml version="1.0" encoding="utf-8"?>
 <ds:datastoreItem xmlns:ds="http://schemas.openxmlformats.org/officeDocument/2006/customXml" ds:itemID="{9BFBBE5A-F611-4091-94E1-60C5F755DF63}">
   <ds:schemaRefs>
     <ds:schemaRef ds:uri="http://schemas.microsoft.com/office/2006/metadata/contentType"/>
@@ -8500,6 +8483,23 @@
 </ds:datastoreItem>
 </file>
 
+<file path=customXml/itemProps2.xml><?xml version="1.0" encoding="utf-8"?>
+<ds:datastoreItem xmlns:ds="http://schemas.openxmlformats.org/officeDocument/2006/customXml" ds:itemID="{0748A49F-C736-4524-BB36-F11018D26634}">
+  <ds:schemaRefs>
+    <ds:schemaRef ds:uri="http://schemas.openxmlformats.org/package/2006/metadata/core-properties"/>
+    <ds:schemaRef ds:uri="http://purl.org/dc/elements/1.1/"/>
+    <ds:schemaRef ds:uri="http://schemas.microsoft.com/office/infopath/2007/PartnerControls"/>
+    <ds:schemaRef ds:uri="2d1aa6b7-1a0a-46e3-8f70-b6d3e32cbd9a"/>
+    <ds:schemaRef ds:uri="http://purl.org/dc/dcmitype/"/>
+    <ds:schemaRef ds:uri="5ab46313-7834-4214-aec9-155b2fe37111"/>
+    <ds:schemaRef ds:uri="http://schemas.microsoft.com/office/2006/documentManagement/types"/>
+    <ds:schemaRef ds:uri="http://schemas.microsoft.com/office/2006/metadata/properties"/>
+    <ds:schemaRef ds:uri="http://www.w3.org/XML/1998/namespace"/>
+    <ds:schemaRef ds:uri="http://purl.org/dc/terms/"/>
+  </ds:schemaRefs>
+</ds:datastoreItem>
+</file>
+
 <file path=customXml/itemProps3.xml><?xml version="1.0" encoding="utf-8"?>
 <ds:datastoreItem xmlns:ds="http://schemas.openxmlformats.org/officeDocument/2006/customXml" ds:itemID="{B294D1B7-8679-422F-949D-1455F508E596}">
   <ds:schemaRefs>

--- a/UQ_2D_metamaterials_2nd_geo.pptx
+++ b/UQ_2D_metamaterials_2nd_geo.pptx
@@ -5,7 +5,7 @@
     <p:sldMasterId id="2147483660" r:id="rId4"/>
   </p:sldMasterIdLst>
   <p:notesMasterIdLst>
-    <p:notesMasterId r:id="rId32"/>
+    <p:notesMasterId r:id="rId36"/>
   </p:notesMasterIdLst>
   <p:sldIdLst>
     <p:sldId id="256" r:id="rId5"/>
@@ -15,26 +15,30 @@
     <p:sldId id="988" r:id="rId9"/>
     <p:sldId id="987" r:id="rId10"/>
     <p:sldId id="989" r:id="rId11"/>
-    <p:sldId id="961" r:id="rId12"/>
-    <p:sldId id="962" r:id="rId13"/>
-    <p:sldId id="968" r:id="rId14"/>
-    <p:sldId id="972" r:id="rId15"/>
-    <p:sldId id="973" r:id="rId16"/>
-    <p:sldId id="974" r:id="rId17"/>
-    <p:sldId id="979" r:id="rId18"/>
-    <p:sldId id="975" r:id="rId19"/>
-    <p:sldId id="980" r:id="rId20"/>
-    <p:sldId id="981" r:id="rId21"/>
-    <p:sldId id="982" r:id="rId22"/>
-    <p:sldId id="983" r:id="rId23"/>
-    <p:sldId id="984" r:id="rId24"/>
-    <p:sldId id="985" r:id="rId25"/>
-    <p:sldId id="986" r:id="rId26"/>
-    <p:sldId id="990" r:id="rId27"/>
-    <p:sldId id="991" r:id="rId28"/>
-    <p:sldId id="992" r:id="rId29"/>
-    <p:sldId id="993" r:id="rId30"/>
-    <p:sldId id="960" r:id="rId31"/>
+    <p:sldId id="1028" r:id="rId12"/>
+    <p:sldId id="1023" r:id="rId13"/>
+    <p:sldId id="1021" r:id="rId14"/>
+    <p:sldId id="1022" r:id="rId15"/>
+    <p:sldId id="961" r:id="rId16"/>
+    <p:sldId id="962" r:id="rId17"/>
+    <p:sldId id="968" r:id="rId18"/>
+    <p:sldId id="972" r:id="rId19"/>
+    <p:sldId id="973" r:id="rId20"/>
+    <p:sldId id="974" r:id="rId21"/>
+    <p:sldId id="979" r:id="rId22"/>
+    <p:sldId id="975" r:id="rId23"/>
+    <p:sldId id="980" r:id="rId24"/>
+    <p:sldId id="981" r:id="rId25"/>
+    <p:sldId id="982" r:id="rId26"/>
+    <p:sldId id="983" r:id="rId27"/>
+    <p:sldId id="984" r:id="rId28"/>
+    <p:sldId id="985" r:id="rId29"/>
+    <p:sldId id="986" r:id="rId30"/>
+    <p:sldId id="990" r:id="rId31"/>
+    <p:sldId id="991" r:id="rId32"/>
+    <p:sldId id="993" r:id="rId33"/>
+    <p:sldId id="992" r:id="rId34"/>
+    <p:sldId id="960" r:id="rId35"/>
   </p:sldIdLst>
   <p:sldSz cx="12192000" cy="6858000"/>
   <p:notesSz cx="6858000" cy="9144000"/>
@@ -151,6 +155,14 @@
             <p14:sldId id="989"/>
           </p14:sldIdLst>
         </p14:section>
+        <p14:section name="7D Gamma Inputs" id="{A0AD7A4E-DA45-47BD-8EDA-A16A32BC0E69}">
+          <p14:sldIdLst>
+            <p14:sldId id="1028"/>
+            <p14:sldId id="1023"/>
+            <p14:sldId id="1021"/>
+            <p14:sldId id="1022"/>
+          </p14:sldIdLst>
+        </p14:section>
         <p14:section name="Geometry UQ Strategy" id="{37C48193-FA93-4BCB-A03B-10AA7836233B}">
           <p14:sldIdLst>
             <p14:sldId id="961"/>
@@ -182,8 +194,8 @@
           <p14:sldIdLst>
             <p14:sldId id="990"/>
             <p14:sldId id="991"/>
+            <p14:sldId id="993"/>
             <p14:sldId id="992"/>
-            <p14:sldId id="993"/>
           </p14:sldIdLst>
         </p14:section>
         <p14:section name="Conclusion" id="{9E81FF3C-1AB5-4DC8-89CB-2D291690784C}">
@@ -288,7 +300,7 @@
           <a:p>
             <a:fld id="{5B2A9559-5325-4FFA-A5F2-CBDDB1074751}" type="datetimeFigureOut">
               <a:rPr lang="en-US" smtClean="0"/>
-              <a:t>9/7/2023</a:t>
+              <a:t>9/19/2023</a:t>
             </a:fld>
             <a:endParaRPr lang="en-US"/>
           </a:p>
@@ -704,7 +716,7 @@
           <a:p>
             <a:fld id="{5ED6D2F6-D9A8-4EC3-B74F-DA40A0FC4A95}" type="slidenum">
               <a:rPr lang="en-US" smtClean="0"/>
-              <a:t>9</a:t>
+              <a:t>13</a:t>
             </a:fld>
             <a:endParaRPr lang="en-US"/>
           </a:p>
@@ -788,7 +800,7 @@
           <a:p>
             <a:fld id="{5ED6D2F6-D9A8-4EC3-B74F-DA40A0FC4A95}" type="slidenum">
               <a:rPr lang="en-US" smtClean="0"/>
-              <a:t>26</a:t>
+              <a:t>29</a:t>
             </a:fld>
             <a:endParaRPr lang="en-US"/>
           </a:p>
@@ -1180,7 +1192,7 @@
           <a:p>
             <a:fld id="{43789B8F-7842-4BEF-9976-1EE74F57C738}" type="datetime1">
               <a:rPr lang="en-US" smtClean="0"/>
-              <a:t>9/7/2023</a:t>
+              <a:t>9/19/2023</a:t>
             </a:fld>
             <a:endParaRPr lang="en-US"/>
           </a:p>
@@ -1412,7 +1424,7 @@
           <a:p>
             <a:fld id="{050F5937-DD26-4F95-A0ED-C31A278A1247}" type="datetime1">
               <a:rPr lang="en-US" smtClean="0"/>
-              <a:t>9/7/2023</a:t>
+              <a:t>9/19/2023</a:t>
             </a:fld>
             <a:endParaRPr lang="en-US"/>
           </a:p>
@@ -1879,7 +1891,7 @@
           <a:p>
             <a:fld id="{49F581DC-F6E5-4AEE-98F3-A1977368E94D}" type="datetime1">
               <a:rPr lang="en-US" smtClean="0"/>
-              <a:t>9/7/2023</a:t>
+              <a:t>9/19/2023</a:t>
             </a:fld>
             <a:endParaRPr lang="en-US"/>
           </a:p>
@@ -2199,7 +2211,7 @@
           <a:p>
             <a:fld id="{A23148C6-A681-474A-852B-6488E264F1FD}" type="datetime1">
               <a:rPr lang="en-US" smtClean="0"/>
-              <a:t>9/7/2023</a:t>
+              <a:t>9/19/2023</a:t>
             </a:fld>
             <a:endParaRPr lang="en-US"/>
           </a:p>
@@ -2666,7 +2678,7 @@
           <a:p>
             <a:fld id="{E05877EE-87E6-4A80-A3D1-647EBC487900}" type="datetime1">
               <a:rPr lang="en-US" smtClean="0"/>
-              <a:t>9/7/2023</a:t>
+              <a:t>9/19/2023</a:t>
             </a:fld>
             <a:endParaRPr lang="en-US"/>
           </a:p>
@@ -3196,7 +3208,7 @@
           <a:p>
             <a:fld id="{1F39E345-7F84-425C-B838-418A9624F210}" type="datetime1">
               <a:rPr lang="en-US" smtClean="0"/>
-              <a:t>9/7/2023</a:t>
+              <a:t>9/19/2023</a:t>
             </a:fld>
             <a:endParaRPr lang="en-US"/>
           </a:p>
@@ -3511,7 +3523,7 @@
           <a:p>
             <a:fld id="{F90E5D04-5C5D-47CC-BDED-D4EAD1A4B7F8}" type="datetime1">
               <a:rPr lang="en-US" smtClean="0"/>
-              <a:t>9/7/2023</a:t>
+              <a:t>9/19/2023</a:t>
             </a:fld>
             <a:endParaRPr lang="en-US"/>
           </a:p>
@@ -3859,7 +3871,7 @@
           <a:p>
             <a:fld id="{B019BD83-B2B4-4833-86B7-8D5583952E34}" type="datetime1">
               <a:rPr lang="en-US" smtClean="0"/>
-              <a:t>9/7/2023</a:t>
+              <a:t>9/19/2023</a:t>
             </a:fld>
             <a:endParaRPr lang="en-US"/>
           </a:p>
@@ -4653,8 +4665,8 @@
         </p:nvSpPr>
         <p:spPr>
           <a:xfrm>
-            <a:off x="573741" y="341221"/>
-            <a:ext cx="11044518" cy="1056686"/>
+            <a:off x="730120" y="341221"/>
+            <a:ext cx="10731759" cy="1056686"/>
           </a:xfrm>
         </p:spPr>
         <p:txBody>
@@ -4665,17 +4677,17 @@
           <a:p>
             <a:r>
               <a:rPr lang="en-US" sz="3200" dirty="0"/>
-              <a:t>7D Stochastic Collocation – Quadrature Rule – Bandgap Size</a:t>
+              <a:t>Histograms – 7D Truncated Gamma 1000 MC Inputs</a:t>
             </a:r>
           </a:p>
         </p:txBody>
       </p:sp>
       <p:pic>
         <p:nvPicPr>
-          <p:cNvPr id="5" name="Content Placeholder 4">
-            <a:extLst>
-              <a:ext uri="{FF2B5EF4-FFF2-40B4-BE49-F238E27FC236}">
-                <a16:creationId xmlns:a16="http://schemas.microsoft.com/office/drawing/2014/main" id="{CAE9A72B-8A68-6F30-1013-174001A44746}"/>
+          <p:cNvPr id="7" name="Content Placeholder 6">
+            <a:extLst>
+              <a:ext uri="{FF2B5EF4-FFF2-40B4-BE49-F238E27FC236}">
+                <a16:creationId xmlns:a16="http://schemas.microsoft.com/office/drawing/2014/main" id="{45C121E0-2D9F-1F26-2360-E24CA0CD5905}"/>
               </a:ext>
             </a:extLst>
           </p:cNvPr>
@@ -4693,15 +4705,15 @@
         </p:blipFill>
         <p:spPr>
           <a:xfrm>
-            <a:off x="838200" y="1626802"/>
-            <a:ext cx="10515600" cy="4361634"/>
+            <a:off x="1337301" y="1438275"/>
+            <a:ext cx="9517398" cy="4738688"/>
           </a:xfrm>
         </p:spPr>
       </p:pic>
     </p:spTree>
     <p:extLst>
       <p:ext uri="{BB962C8B-B14F-4D97-AF65-F5344CB8AC3E}">
-        <p14:creationId xmlns:p14="http://schemas.microsoft.com/office/powerpoint/2010/main" val="2524833921"/>
+        <p14:creationId xmlns:p14="http://schemas.microsoft.com/office/powerpoint/2010/main" val="695640077"/>
       </p:ext>
     </p:extLst>
   </p:cSld>
@@ -4746,8 +4758,8 @@
         </p:nvSpPr>
         <p:spPr>
           <a:xfrm>
-            <a:off x="573741" y="341221"/>
-            <a:ext cx="11044518" cy="1056686"/>
+            <a:off x="730120" y="341221"/>
+            <a:ext cx="10731759" cy="1056686"/>
           </a:xfrm>
         </p:spPr>
         <p:txBody>
@@ -4758,17 +4770,17 @@
           <a:p>
             <a:r>
               <a:rPr lang="en-US" sz="3200" dirty="0"/>
-              <a:t>7D Stochastic Collocation – Quadrature Rule – Bandgap Top</a:t>
+              <a:t>Histograms – 7D Truncated Gamma 10000 MC Inputs</a:t>
             </a:r>
           </a:p>
         </p:txBody>
       </p:sp>
       <p:pic>
         <p:nvPicPr>
-          <p:cNvPr id="5" name="Content Placeholder 4">
-            <a:extLst>
-              <a:ext uri="{FF2B5EF4-FFF2-40B4-BE49-F238E27FC236}">
-                <a16:creationId xmlns:a16="http://schemas.microsoft.com/office/drawing/2014/main" id="{CAE9A72B-8A68-6F30-1013-174001A44746}"/>
+          <p:cNvPr id="7" name="Content Placeholder 6">
+            <a:extLst>
+              <a:ext uri="{FF2B5EF4-FFF2-40B4-BE49-F238E27FC236}">
+                <a16:creationId xmlns:a16="http://schemas.microsoft.com/office/drawing/2014/main" id="{45C121E0-2D9F-1F26-2360-E24CA0CD5905}"/>
               </a:ext>
             </a:extLst>
           </p:cNvPr>
@@ -4786,15 +4798,15 @@
         </p:blipFill>
         <p:spPr>
           <a:xfrm>
-            <a:off x="838200" y="1626802"/>
-            <a:ext cx="10515600" cy="4361634"/>
+            <a:off x="1337301" y="1438275"/>
+            <a:ext cx="9517398" cy="4738688"/>
           </a:xfrm>
         </p:spPr>
       </p:pic>
     </p:spTree>
     <p:extLst>
       <p:ext uri="{BB962C8B-B14F-4D97-AF65-F5344CB8AC3E}">
-        <p14:creationId xmlns:p14="http://schemas.microsoft.com/office/powerpoint/2010/main" val="3107085655"/>
+        <p14:creationId xmlns:p14="http://schemas.microsoft.com/office/powerpoint/2010/main" val="3104323617"/>
       </p:ext>
     </p:extLst>
   </p:cSld>
@@ -4826,7 +4838,7 @@
           <p:cNvPr id="2" name="Title 1">
             <a:extLst>
               <a:ext uri="{FF2B5EF4-FFF2-40B4-BE49-F238E27FC236}">
-                <a16:creationId xmlns:a16="http://schemas.microsoft.com/office/drawing/2014/main" id="{6DCC4830-BA42-B1C9-F66B-F78F9E32BB1D}"/>
+                <a16:creationId xmlns:a16="http://schemas.microsoft.com/office/drawing/2014/main" id="{3A6E25C4-0E70-13FA-3397-72BFBB2F2D6D}"/>
               </a:ext>
             </a:extLst>
           </p:cNvPr>
@@ -4837,57 +4849,145 @@
             <p:ph type="title"/>
           </p:nvPr>
         </p:nvSpPr>
-        <p:spPr>
-          <a:xfrm>
-            <a:off x="448235" y="341221"/>
-            <a:ext cx="11295530" cy="1056686"/>
+        <p:spPr/>
+        <p:txBody>
+          <a:bodyPr/>
+          <a:lstStyle/>
+          <a:p>
+            <a:r>
+              <a:rPr lang="en-US" dirty="0"/>
+              <a:t>The Geometry Uncertainty Problem</a:t>
+            </a:r>
+          </a:p>
+        </p:txBody>
+      </p:sp>
+      <p:sp>
+        <p:nvSpPr>
+          <p:cNvPr id="3" name="Content Placeholder 2">
+            <a:extLst>
+              <a:ext uri="{FF2B5EF4-FFF2-40B4-BE49-F238E27FC236}">
+                <a16:creationId xmlns:a16="http://schemas.microsoft.com/office/drawing/2014/main" id="{B37A6507-D72A-2779-D9A6-D4C0B65BD9D6}"/>
+              </a:ext>
+            </a:extLst>
+          </p:cNvPr>
+          <p:cNvSpPr>
+            <a:spLocks noGrp="1"/>
+          </p:cNvSpPr>
+          <p:nvPr>
+            <p:ph idx="1"/>
+          </p:nvPr>
+        </p:nvSpPr>
+        <p:spPr>
+          <a:xfrm>
+            <a:off x="838200" y="1161294"/>
+            <a:ext cx="10515600" cy="5015669"/>
           </a:xfrm>
         </p:spPr>
         <p:txBody>
           <a:bodyPr>
-            <a:noAutofit/>
+            <a:normAutofit fontScale="62500" lnSpcReduction="20000"/>
           </a:bodyPr>
           <a:lstStyle/>
           <a:p>
             <a:r>
-              <a:rPr lang="en-US" sz="3200" dirty="0"/>
-              <a:t>7D Stochastic Collocation – Quadrature Rule – Bandgap Bottom</a:t>
-            </a:r>
-          </a:p>
-        </p:txBody>
-      </p:sp>
-      <p:pic>
-        <p:nvPicPr>
-          <p:cNvPr id="5" name="Content Placeholder 4">
-            <a:extLst>
-              <a:ext uri="{FF2B5EF4-FFF2-40B4-BE49-F238E27FC236}">
-                <a16:creationId xmlns:a16="http://schemas.microsoft.com/office/drawing/2014/main" id="{CAE9A72B-8A68-6F30-1013-174001A44746}"/>
-              </a:ext>
-            </a:extLst>
-          </p:cNvPr>
-          <p:cNvPicPr>
-            <a:picLocks noGrp="1" noChangeAspect="1"/>
-          </p:cNvPicPr>
-          <p:nvPr>
-            <p:ph idx="1"/>
-          </p:nvPr>
-        </p:nvPicPr>
-        <p:blipFill>
-          <a:blip r:embed="rId2"/>
-          <a:srcRect/>
-          <a:stretch/>
-        </p:blipFill>
-        <p:spPr>
-          <a:xfrm>
-            <a:off x="838200" y="1626802"/>
-            <a:ext cx="10515600" cy="4361634"/>
-          </a:xfrm>
-        </p:spPr>
-      </p:pic>
+              <a:rPr lang="en-US" dirty="0"/>
+              <a:t>Curse of dimensionality limits possibilities with UQ on geometry. </a:t>
+            </a:r>
+          </a:p>
+          <a:p>
+            <a:r>
+              <a:rPr lang="en-US" dirty="0"/>
+              <a:t>Candidate approach: Individual Pixel Specification</a:t>
+            </a:r>
+          </a:p>
+          <a:p>
+            <a:pPr lvl="1"/>
+            <a:r>
+              <a:rPr lang="en-US" dirty="0"/>
+              <a:t>Treat each pixel as a separate input with some value between 0-1 representing a ratio of how much hard and soft material is in that pixel.</a:t>
+            </a:r>
+          </a:p>
+          <a:p>
+            <a:pPr lvl="1"/>
+            <a:r>
+              <a:rPr lang="en-US" dirty="0"/>
+              <a:t>Pros: Intuitive, simple, deterministic</a:t>
+            </a:r>
+          </a:p>
+          <a:p>
+            <a:pPr lvl="1"/>
+            <a:r>
+              <a:rPr lang="en-US" dirty="0"/>
+              <a:t>Cons: Input dimensions scales with pixel count</a:t>
+            </a:r>
+          </a:p>
+          <a:p>
+            <a:r>
+              <a:rPr lang="en-US" dirty="0"/>
+              <a:t>Candidate approach: Latent parameters w/ ML algorithms (Wei’s group)</a:t>
+            </a:r>
+          </a:p>
+          <a:p>
+            <a:pPr lvl="1"/>
+            <a:r>
+              <a:rPr lang="en-US" dirty="0"/>
+              <a:t>Use ML algorithms to generate realistic defects, forcing the neural architecture to be such that there are a small fixed number of “latent” parameters that specify the defect.</a:t>
+            </a:r>
+          </a:p>
+          <a:p>
+            <a:pPr lvl="1"/>
+            <a:r>
+              <a:rPr lang="en-US" dirty="0"/>
+              <a:t>Pros: Can be deterministic?, NN tunable to give certain types of defects preferentially</a:t>
+            </a:r>
+          </a:p>
+          <a:p>
+            <a:pPr lvl="1"/>
+            <a:r>
+              <a:rPr lang="en-US" dirty="0"/>
+              <a:t>Cons: Latent parameters are by definition not reflective of physical quantities, and thus difficult for any user to assign a distribution to given a real world problem.</a:t>
+            </a:r>
+          </a:p>
+          <a:p>
+            <a:r>
+              <a:rPr lang="en-US" dirty="0"/>
+              <a:t>Candidate approach: Edge pixel flip chance</a:t>
+            </a:r>
+          </a:p>
+          <a:p>
+            <a:pPr lvl="1"/>
+            <a:r>
+              <a:rPr lang="en-US" dirty="0"/>
+              <a:t>For any given geometry, locate subset of pixels that are at the edge between hard and soft materials. One value, the flip chance, is applied to all these pixels to get random flipping of pixels to generate defective shapes.</a:t>
+            </a:r>
+          </a:p>
+          <a:p>
+            <a:pPr lvl="1"/>
+            <a:r>
+              <a:rPr lang="en-US" dirty="0"/>
+              <a:t>Pros: 1D input regardless of geometry complexity, meaningful physical parameter</a:t>
+            </a:r>
+          </a:p>
+          <a:p>
+            <a:pPr lvl="1"/>
+            <a:r>
+              <a:rPr lang="en-US" dirty="0"/>
+              <a:t>Cons: NOT deterministic, which means this is only a valid geometry UQ approach if the distribution from geometry defects alone is small for any given flip chance, relative to the distribution from variations in material properties. I.e. all defects of a certain flip chance are similar in their impact on outputs of interest.</a:t>
+            </a:r>
+          </a:p>
+          <a:p>
+            <a:pPr lvl="1"/>
+            <a:r>
+              <a:rPr lang="en-US" dirty="0"/>
+              <a:t>Variations: Specify no. of flipped pixels instead of flip chance; include/exclude soft material from the edge pixel subset; count touching corners as edge pixels.</a:t>
+            </a:r>
+          </a:p>
+        </p:txBody>
+      </p:sp>
     </p:spTree>
     <p:extLst>
       <p:ext uri="{BB962C8B-B14F-4D97-AF65-F5344CB8AC3E}">
-        <p14:creationId xmlns:p14="http://schemas.microsoft.com/office/powerpoint/2010/main" val="579680583"/>
+        <p14:creationId xmlns:p14="http://schemas.microsoft.com/office/powerpoint/2010/main" val="983418227"/>
       </p:ext>
     </p:extLst>
   </p:cSld>
@@ -4919,7 +5019,7 @@
           <p:cNvPr id="2" name="Title 1">
             <a:extLst>
               <a:ext uri="{FF2B5EF4-FFF2-40B4-BE49-F238E27FC236}">
-                <a16:creationId xmlns:a16="http://schemas.microsoft.com/office/drawing/2014/main" id="{6DCC4830-BA42-B1C9-F66B-F78F9E32BB1D}"/>
+                <a16:creationId xmlns:a16="http://schemas.microsoft.com/office/drawing/2014/main" id="{DE9A25E5-E49D-B8C1-069F-E83D8A83DA79}"/>
               </a:ext>
             </a:extLst>
           </p:cNvPr>
@@ -4930,12 +5030,7 @@
             <p:ph type="title"/>
           </p:nvPr>
         </p:nvSpPr>
-        <p:spPr>
-          <a:xfrm>
-            <a:off x="448235" y="341221"/>
-            <a:ext cx="11295530" cy="1056686"/>
-          </a:xfrm>
-        </p:spPr>
+        <p:spPr/>
         <p:txBody>
           <a:bodyPr>
             <a:noAutofit/>
@@ -4943,8 +5038,8 @@
           <a:lstStyle/>
           <a:p>
             <a:r>
-              <a:rPr lang="en-US" sz="3200" dirty="0"/>
-              <a:t>7D Stochastic Collocation – Quadrature Rule – Bandgap Center</a:t>
+              <a:rPr lang="en-US" sz="3600" dirty="0"/>
+              <a:t>Edge Pixel Flip Proportion – Geometry Generation</a:t>
             </a:r>
           </a:p>
         </p:txBody>
@@ -4954,7 +5049,7 @@
           <p:cNvPr id="5" name="Content Placeholder 4">
             <a:extLst>
               <a:ext uri="{FF2B5EF4-FFF2-40B4-BE49-F238E27FC236}">
-                <a16:creationId xmlns:a16="http://schemas.microsoft.com/office/drawing/2014/main" id="{CAE9A72B-8A68-6F30-1013-174001A44746}"/>
+                <a16:creationId xmlns:a16="http://schemas.microsoft.com/office/drawing/2014/main" id="{B4D5F369-BB8F-09EB-6BBC-D52472D212F6}"/>
               </a:ext>
             </a:extLst>
           </p:cNvPr>
@@ -4966,21 +5061,21 @@
           </p:nvPr>
         </p:nvPicPr>
         <p:blipFill>
-          <a:blip r:embed="rId2"/>
+          <a:blip r:embed="rId3"/>
           <a:srcRect/>
           <a:stretch/>
         </p:blipFill>
         <p:spPr>
           <a:xfrm>
-            <a:off x="838200" y="1626802"/>
-            <a:ext cx="10515600" cy="4361634"/>
+            <a:off x="838200" y="2047759"/>
+            <a:ext cx="10515600" cy="3519719"/>
           </a:xfrm>
         </p:spPr>
       </p:pic>
     </p:spTree>
     <p:extLst>
       <p:ext uri="{BB962C8B-B14F-4D97-AF65-F5344CB8AC3E}">
-        <p14:creationId xmlns:p14="http://schemas.microsoft.com/office/powerpoint/2010/main" val="2053325372"/>
+        <p14:creationId xmlns:p14="http://schemas.microsoft.com/office/powerpoint/2010/main" val="4154470498"/>
       </p:ext>
     </p:extLst>
   </p:cSld>
@@ -5037,135 +5132,43 @@
           <a:p>
             <a:r>
               <a:rPr lang="en-US" sz="3200" dirty="0"/>
-              <a:t>7D Stochastic Collocation – MC Regression – Insufficient Sample Size</a:t>
+              <a:t>7D Stochastic Collocation – Quadrature Rule – Bandgap Size</a:t>
             </a:r>
           </a:p>
         </p:txBody>
       </p:sp>
       <p:pic>
         <p:nvPicPr>
-          <p:cNvPr id="12" name="Picture 11" descr="A screenshot of a graph&#10;&#10;Description automatically generated">
-            <a:extLst>
-              <a:ext uri="{FF2B5EF4-FFF2-40B4-BE49-F238E27FC236}">
-                <a16:creationId xmlns:a16="http://schemas.microsoft.com/office/drawing/2014/main" id="{A6304B74-85F8-FCA0-907E-63C2D54627CA}"/>
+          <p:cNvPr id="5" name="Content Placeholder 4">
+            <a:extLst>
+              <a:ext uri="{FF2B5EF4-FFF2-40B4-BE49-F238E27FC236}">
+                <a16:creationId xmlns:a16="http://schemas.microsoft.com/office/drawing/2014/main" id="{CAE9A72B-8A68-6F30-1013-174001A44746}"/>
               </a:ext>
             </a:extLst>
           </p:cNvPr>
           <p:cNvPicPr>
-            <a:picLocks noChangeAspect="1"/>
+            <a:picLocks noGrp="1" noChangeAspect="1"/>
           </p:cNvPicPr>
-          <p:nvPr/>
+          <p:nvPr>
+            <p:ph idx="1"/>
+          </p:nvPr>
         </p:nvPicPr>
         <p:blipFill>
           <a:blip r:embed="rId2"/>
-          <a:stretch>
-            <a:fillRect/>
-          </a:stretch>
+          <a:srcRect/>
+          <a:stretch/>
         </p:blipFill>
         <p:spPr>
           <a:xfrm>
-            <a:off x="659881" y="1170427"/>
-            <a:ext cx="10872238" cy="4517145"/>
-          </a:xfrm>
-          <a:prstGeom prst="rect">
-            <a:avLst/>
-          </a:prstGeom>
-        </p:spPr>
-      </p:pic>
-      <p:pic>
-        <p:nvPicPr>
-          <p:cNvPr id="14" name="Picture 13" descr="A screenshot of a graph&#10;&#10;Description automatically generated">
-            <a:extLst>
-              <a:ext uri="{FF2B5EF4-FFF2-40B4-BE49-F238E27FC236}">
-                <a16:creationId xmlns:a16="http://schemas.microsoft.com/office/drawing/2014/main" id="{84A769E6-0E3F-AAF7-D8B9-12D55687D318}"/>
-              </a:ext>
-            </a:extLst>
-          </p:cNvPr>
-          <p:cNvPicPr>
-            <a:picLocks noChangeAspect="1"/>
-          </p:cNvPicPr>
-          <p:nvPr/>
-        </p:nvPicPr>
-        <p:blipFill>
-          <a:blip r:embed="rId3"/>
-          <a:stretch>
-            <a:fillRect/>
-          </a:stretch>
-        </p:blipFill>
-        <p:spPr>
-          <a:xfrm>
-            <a:off x="809881" y="1320427"/>
-            <a:ext cx="10872238" cy="4517145"/>
-          </a:xfrm>
-          <a:prstGeom prst="rect">
-            <a:avLst/>
-          </a:prstGeom>
-        </p:spPr>
-      </p:pic>
-      <p:pic>
-        <p:nvPicPr>
-          <p:cNvPr id="16" name="Picture 15" descr="A screenshot of a graph&#10;&#10;Description automatically generated">
-            <a:extLst>
-              <a:ext uri="{FF2B5EF4-FFF2-40B4-BE49-F238E27FC236}">
-                <a16:creationId xmlns:a16="http://schemas.microsoft.com/office/drawing/2014/main" id="{D5FB41C1-8B55-7928-82BB-DEAAFE7345EB}"/>
-              </a:ext>
-            </a:extLst>
-          </p:cNvPr>
-          <p:cNvPicPr>
-            <a:picLocks noChangeAspect="1"/>
-          </p:cNvPicPr>
-          <p:nvPr/>
-        </p:nvPicPr>
-        <p:blipFill>
-          <a:blip r:embed="rId4"/>
-          <a:stretch>
-            <a:fillRect/>
-          </a:stretch>
-        </p:blipFill>
-        <p:spPr>
-          <a:xfrm>
-            <a:off x="946165" y="1470427"/>
-            <a:ext cx="10899670" cy="4517145"/>
-          </a:xfrm>
-          <a:prstGeom prst="rect">
-            <a:avLst/>
-          </a:prstGeom>
-        </p:spPr>
-      </p:pic>
-      <p:pic>
-        <p:nvPicPr>
-          <p:cNvPr id="20" name="Picture 19" descr="A graph of a graph of a graph&#10;&#10;Description automatically generated with medium confidence">
-            <a:extLst>
-              <a:ext uri="{FF2B5EF4-FFF2-40B4-BE49-F238E27FC236}">
-                <a16:creationId xmlns:a16="http://schemas.microsoft.com/office/drawing/2014/main" id="{BEF19319-0FB4-6F6A-1BA6-CC73961C309E}"/>
-              </a:ext>
-            </a:extLst>
-          </p:cNvPr>
-          <p:cNvPicPr>
-            <a:picLocks noChangeAspect="1"/>
-          </p:cNvPicPr>
-          <p:nvPr/>
-        </p:nvPicPr>
-        <p:blipFill>
-          <a:blip r:embed="rId5"/>
-          <a:stretch>
-            <a:fillRect/>
-          </a:stretch>
-        </p:blipFill>
-        <p:spPr>
-          <a:xfrm>
-            <a:off x="1100737" y="1620427"/>
-            <a:ext cx="10890526" cy="4517145"/>
-          </a:xfrm>
-          <a:prstGeom prst="rect">
-            <a:avLst/>
-          </a:prstGeom>
+            <a:off x="838200" y="1626802"/>
+            <a:ext cx="10515600" cy="4361634"/>
+          </a:xfrm>
         </p:spPr>
       </p:pic>
     </p:spTree>
     <p:extLst>
       <p:ext uri="{BB962C8B-B14F-4D97-AF65-F5344CB8AC3E}">
-        <p14:creationId xmlns:p14="http://schemas.microsoft.com/office/powerpoint/2010/main" val="808529717"/>
+        <p14:creationId xmlns:p14="http://schemas.microsoft.com/office/powerpoint/2010/main" val="2524833921"/>
       </p:ext>
     </p:extLst>
   </p:cSld>
@@ -5210,8 +5213,8 @@
         </p:nvSpPr>
         <p:spPr>
           <a:xfrm>
-            <a:off x="342900" y="341221"/>
-            <a:ext cx="11506199" cy="1056686"/>
+            <a:off x="573741" y="341221"/>
+            <a:ext cx="11044518" cy="1056686"/>
           </a:xfrm>
         </p:spPr>
         <p:txBody>
@@ -5221,8 +5224,8 @@
           <a:lstStyle/>
           <a:p>
             <a:r>
-              <a:rPr lang="en-US" sz="2800" dirty="0"/>
-              <a:t>7D Stochastic Collocation – MC Regression (N = 1000) – Bandgap Size</a:t>
+              <a:rPr lang="en-US" sz="3200" dirty="0"/>
+              <a:t>7D Stochastic Collocation – Quadrature Rule – Bandgap Top</a:t>
             </a:r>
           </a:p>
         </p:txBody>
@@ -5258,7 +5261,7 @@
     </p:spTree>
     <p:extLst>
       <p:ext uri="{BB962C8B-B14F-4D97-AF65-F5344CB8AC3E}">
-        <p14:creationId xmlns:p14="http://schemas.microsoft.com/office/powerpoint/2010/main" val="2777094774"/>
+        <p14:creationId xmlns:p14="http://schemas.microsoft.com/office/powerpoint/2010/main" val="3107085655"/>
       </p:ext>
     </p:extLst>
   </p:cSld>
@@ -5303,8 +5306,8 @@
         </p:nvSpPr>
         <p:spPr>
           <a:xfrm>
-            <a:off x="292474" y="341221"/>
-            <a:ext cx="11607052" cy="1056686"/>
+            <a:off x="448235" y="341221"/>
+            <a:ext cx="11295530" cy="1056686"/>
           </a:xfrm>
         </p:spPr>
         <p:txBody>
@@ -5314,8 +5317,8 @@
           <a:lstStyle/>
           <a:p>
             <a:r>
-              <a:rPr lang="en-US" sz="2800" dirty="0"/>
-              <a:t>7D Stochastic Collocation – MC Regression (N = 10000) – Bandgap Size</a:t>
+              <a:rPr lang="en-US" sz="3200" dirty="0"/>
+              <a:t>7D Stochastic Collocation – Quadrature Rule – Bandgap Bottom</a:t>
             </a:r>
           </a:p>
         </p:txBody>
@@ -5351,7 +5354,7 @@
     </p:spTree>
     <p:extLst>
       <p:ext uri="{BB962C8B-B14F-4D97-AF65-F5344CB8AC3E}">
-        <p14:creationId xmlns:p14="http://schemas.microsoft.com/office/powerpoint/2010/main" val="1330460792"/>
+        <p14:creationId xmlns:p14="http://schemas.microsoft.com/office/powerpoint/2010/main" val="579680583"/>
       </p:ext>
     </p:extLst>
   </p:cSld>
@@ -5396,8 +5399,8 @@
         </p:nvSpPr>
         <p:spPr>
           <a:xfrm>
-            <a:off x="342900" y="341221"/>
-            <a:ext cx="11506199" cy="1056686"/>
+            <a:off x="448235" y="341221"/>
+            <a:ext cx="11295530" cy="1056686"/>
           </a:xfrm>
         </p:spPr>
         <p:txBody>
@@ -5407,8 +5410,8 @@
           <a:lstStyle/>
           <a:p>
             <a:r>
-              <a:rPr lang="en-US" sz="2800" dirty="0"/>
-              <a:t>7D Stochastic Collocation – MC Regression (N = 1000) – Bandgap Top</a:t>
+              <a:rPr lang="en-US" sz="3200" dirty="0"/>
+              <a:t>7D Stochastic Collocation – Quadrature Rule – Bandgap Center</a:t>
             </a:r>
           </a:p>
         </p:txBody>
@@ -5444,7 +5447,7 @@
     </p:spTree>
     <p:extLst>
       <p:ext uri="{BB962C8B-B14F-4D97-AF65-F5344CB8AC3E}">
-        <p14:creationId xmlns:p14="http://schemas.microsoft.com/office/powerpoint/2010/main" val="758770701"/>
+        <p14:creationId xmlns:p14="http://schemas.microsoft.com/office/powerpoint/2010/main" val="2053325372"/>
       </p:ext>
     </p:extLst>
   </p:cSld>
@@ -5489,8 +5492,8 @@
         </p:nvSpPr>
         <p:spPr>
           <a:xfrm>
-            <a:off x="292474" y="341221"/>
-            <a:ext cx="11607052" cy="1056686"/>
+            <a:off x="573741" y="341221"/>
+            <a:ext cx="11044518" cy="1056686"/>
           </a:xfrm>
         </p:spPr>
         <p:txBody>
@@ -5500,44 +5503,136 @@
           <a:lstStyle/>
           <a:p>
             <a:r>
-              <a:rPr lang="en-US" sz="2800" dirty="0"/>
-              <a:t>7D Stochastic Collocation – MC Regression (N = 10000) – Bandgap Top</a:t>
+              <a:rPr lang="en-US" sz="3200" dirty="0"/>
+              <a:t>7D Stochastic Collocation – MC Regression – Insufficient Sample Size</a:t>
             </a:r>
           </a:p>
         </p:txBody>
       </p:sp>
       <p:pic>
         <p:nvPicPr>
-          <p:cNvPr id="5" name="Content Placeholder 4">
-            <a:extLst>
-              <a:ext uri="{FF2B5EF4-FFF2-40B4-BE49-F238E27FC236}">
-                <a16:creationId xmlns:a16="http://schemas.microsoft.com/office/drawing/2014/main" id="{CAE9A72B-8A68-6F30-1013-174001A44746}"/>
+          <p:cNvPr id="12" name="Picture 11" descr="A screenshot of a graph&#10;&#10;Description automatically generated">
+            <a:extLst>
+              <a:ext uri="{FF2B5EF4-FFF2-40B4-BE49-F238E27FC236}">
+                <a16:creationId xmlns:a16="http://schemas.microsoft.com/office/drawing/2014/main" id="{A6304B74-85F8-FCA0-907E-63C2D54627CA}"/>
               </a:ext>
             </a:extLst>
           </p:cNvPr>
           <p:cNvPicPr>
-            <a:picLocks noGrp="1" noChangeAspect="1"/>
+            <a:picLocks noChangeAspect="1"/>
           </p:cNvPicPr>
-          <p:nvPr>
-            <p:ph idx="1"/>
-          </p:nvPr>
+          <p:nvPr/>
         </p:nvPicPr>
         <p:blipFill>
           <a:blip r:embed="rId2"/>
-          <a:srcRect/>
-          <a:stretch/>
+          <a:stretch>
+            <a:fillRect/>
+          </a:stretch>
         </p:blipFill>
         <p:spPr>
           <a:xfrm>
-            <a:off x="838200" y="1626802"/>
-            <a:ext cx="10515600" cy="4361634"/>
-          </a:xfrm>
+            <a:off x="659881" y="1170427"/>
+            <a:ext cx="10872238" cy="4517145"/>
+          </a:xfrm>
+          <a:prstGeom prst="rect">
+            <a:avLst/>
+          </a:prstGeom>
+        </p:spPr>
+      </p:pic>
+      <p:pic>
+        <p:nvPicPr>
+          <p:cNvPr id="14" name="Picture 13" descr="A screenshot of a graph&#10;&#10;Description automatically generated">
+            <a:extLst>
+              <a:ext uri="{FF2B5EF4-FFF2-40B4-BE49-F238E27FC236}">
+                <a16:creationId xmlns:a16="http://schemas.microsoft.com/office/drawing/2014/main" id="{84A769E6-0E3F-AAF7-D8B9-12D55687D318}"/>
+              </a:ext>
+            </a:extLst>
+          </p:cNvPr>
+          <p:cNvPicPr>
+            <a:picLocks noChangeAspect="1"/>
+          </p:cNvPicPr>
+          <p:nvPr/>
+        </p:nvPicPr>
+        <p:blipFill>
+          <a:blip r:embed="rId3"/>
+          <a:stretch>
+            <a:fillRect/>
+          </a:stretch>
+        </p:blipFill>
+        <p:spPr>
+          <a:xfrm>
+            <a:off x="809881" y="1320427"/>
+            <a:ext cx="10872238" cy="4517145"/>
+          </a:xfrm>
+          <a:prstGeom prst="rect">
+            <a:avLst/>
+          </a:prstGeom>
+        </p:spPr>
+      </p:pic>
+      <p:pic>
+        <p:nvPicPr>
+          <p:cNvPr id="16" name="Picture 15" descr="A screenshot of a graph&#10;&#10;Description automatically generated">
+            <a:extLst>
+              <a:ext uri="{FF2B5EF4-FFF2-40B4-BE49-F238E27FC236}">
+                <a16:creationId xmlns:a16="http://schemas.microsoft.com/office/drawing/2014/main" id="{D5FB41C1-8B55-7928-82BB-DEAAFE7345EB}"/>
+              </a:ext>
+            </a:extLst>
+          </p:cNvPr>
+          <p:cNvPicPr>
+            <a:picLocks noChangeAspect="1"/>
+          </p:cNvPicPr>
+          <p:nvPr/>
+        </p:nvPicPr>
+        <p:blipFill>
+          <a:blip r:embed="rId4"/>
+          <a:stretch>
+            <a:fillRect/>
+          </a:stretch>
+        </p:blipFill>
+        <p:spPr>
+          <a:xfrm>
+            <a:off x="946165" y="1470427"/>
+            <a:ext cx="10899670" cy="4517145"/>
+          </a:xfrm>
+          <a:prstGeom prst="rect">
+            <a:avLst/>
+          </a:prstGeom>
+        </p:spPr>
+      </p:pic>
+      <p:pic>
+        <p:nvPicPr>
+          <p:cNvPr id="20" name="Picture 19" descr="A graph of a graph of a graph&#10;&#10;Description automatically generated with medium confidence">
+            <a:extLst>
+              <a:ext uri="{FF2B5EF4-FFF2-40B4-BE49-F238E27FC236}">
+                <a16:creationId xmlns:a16="http://schemas.microsoft.com/office/drawing/2014/main" id="{BEF19319-0FB4-6F6A-1BA6-CC73961C309E}"/>
+              </a:ext>
+            </a:extLst>
+          </p:cNvPr>
+          <p:cNvPicPr>
+            <a:picLocks noChangeAspect="1"/>
+          </p:cNvPicPr>
+          <p:nvPr/>
+        </p:nvPicPr>
+        <p:blipFill>
+          <a:blip r:embed="rId5"/>
+          <a:stretch>
+            <a:fillRect/>
+          </a:stretch>
+        </p:blipFill>
+        <p:spPr>
+          <a:xfrm>
+            <a:off x="1100737" y="1620427"/>
+            <a:ext cx="10890526" cy="4517145"/>
+          </a:xfrm>
+          <a:prstGeom prst="rect">
+            <a:avLst/>
+          </a:prstGeom>
         </p:spPr>
       </p:pic>
     </p:spTree>
     <p:extLst>
       <p:ext uri="{BB962C8B-B14F-4D97-AF65-F5344CB8AC3E}">
-        <p14:creationId xmlns:p14="http://schemas.microsoft.com/office/powerpoint/2010/main" val="4293322803"/>
+        <p14:creationId xmlns:p14="http://schemas.microsoft.com/office/powerpoint/2010/main" val="808529717"/>
       </p:ext>
     </p:extLst>
   </p:cSld>
@@ -5594,7 +5689,7 @@
           <a:p>
             <a:r>
               <a:rPr lang="en-US" sz="2800" dirty="0"/>
-              <a:t>7D Stochastic Collocation – MC Regression (N = 1000) – Bandgap Bottom</a:t>
+              <a:t>7D Stochastic Collocation – MC Regression (N = 1000) – Bandgap Size</a:t>
             </a:r>
           </a:p>
         </p:txBody>
@@ -5630,7 +5725,7 @@
     </p:spTree>
     <p:extLst>
       <p:ext uri="{BB962C8B-B14F-4D97-AF65-F5344CB8AC3E}">
-        <p14:creationId xmlns:p14="http://schemas.microsoft.com/office/powerpoint/2010/main" val="1908120205"/>
+        <p14:creationId xmlns:p14="http://schemas.microsoft.com/office/powerpoint/2010/main" val="2777094774"/>
       </p:ext>
     </p:extLst>
   </p:cSld>
@@ -6116,7 +6211,7 @@
           <a:p>
             <a:r>
               <a:rPr lang="en-US" sz="2800" dirty="0"/>
-              <a:t>7D Stochastic Collocation – MC Regression (N = 10000) – Bandgap Bottom</a:t>
+              <a:t>7D Stochastic Collocation – MC Regression (N = 10000) – Bandgap Size</a:t>
             </a:r>
           </a:p>
         </p:txBody>
@@ -6152,7 +6247,7 @@
     </p:spTree>
     <p:extLst>
       <p:ext uri="{BB962C8B-B14F-4D97-AF65-F5344CB8AC3E}">
-        <p14:creationId xmlns:p14="http://schemas.microsoft.com/office/powerpoint/2010/main" val="2246198568"/>
+        <p14:creationId xmlns:p14="http://schemas.microsoft.com/office/powerpoint/2010/main" val="1330460792"/>
       </p:ext>
     </p:extLst>
   </p:cSld>
@@ -6209,7 +6304,7 @@
           <a:p>
             <a:r>
               <a:rPr lang="en-US" sz="2800" dirty="0"/>
-              <a:t>7D Stochastic Collocation – MC Regression (N = 1000) – Bandgap Center</a:t>
+              <a:t>7D Stochastic Collocation – MC Regression (N = 1000) – Bandgap Top</a:t>
             </a:r>
           </a:p>
         </p:txBody>
@@ -6245,7 +6340,7 @@
     </p:spTree>
     <p:extLst>
       <p:ext uri="{BB962C8B-B14F-4D97-AF65-F5344CB8AC3E}">
-        <p14:creationId xmlns:p14="http://schemas.microsoft.com/office/powerpoint/2010/main" val="171001937"/>
+        <p14:creationId xmlns:p14="http://schemas.microsoft.com/office/powerpoint/2010/main" val="758770701"/>
       </p:ext>
     </p:extLst>
   </p:cSld>
@@ -6302,7 +6397,7 @@
           <a:p>
             <a:r>
               <a:rPr lang="en-US" sz="2800" dirty="0"/>
-              <a:t>7D Stochastic Collocation – MC Regression (N = 10000) – Bandgap Center</a:t>
+              <a:t>7D Stochastic Collocation – MC Regression (N = 10000) – Bandgap Top</a:t>
             </a:r>
           </a:p>
         </p:txBody>
@@ -6338,7 +6433,7 @@
     </p:spTree>
     <p:extLst>
       <p:ext uri="{BB962C8B-B14F-4D97-AF65-F5344CB8AC3E}">
-        <p14:creationId xmlns:p14="http://schemas.microsoft.com/office/powerpoint/2010/main" val="884869195"/>
+        <p14:creationId xmlns:p14="http://schemas.microsoft.com/office/powerpoint/2010/main" val="4293322803"/>
       </p:ext>
     </p:extLst>
   </p:cSld>
@@ -6383,8 +6478,8 @@
         </p:nvSpPr>
         <p:spPr>
           <a:xfrm>
-            <a:off x="730120" y="341221"/>
-            <a:ext cx="10731759" cy="1056686"/>
+            <a:off x="342900" y="341221"/>
+            <a:ext cx="11506199" cy="1056686"/>
           </a:xfrm>
         </p:spPr>
         <p:txBody>
@@ -6394,10 +6489,9 @@
           <a:lstStyle/>
           <a:p>
             <a:r>
-              <a:rPr lang="en-US" sz="3200"/>
-              <a:t>Histograms – Bandgap Top, Bottom, &amp; Size</a:t>
-            </a:r>
-            <a:endParaRPr lang="en-US" sz="3200" dirty="0"/>
+              <a:rPr lang="en-US" sz="2800" dirty="0"/>
+              <a:t>7D Stochastic Collocation – MC Regression (N = 1000) – Bandgap Bottom</a:t>
+            </a:r>
           </a:p>
         </p:txBody>
       </p:sp>
@@ -6432,7 +6526,7 @@
     </p:spTree>
     <p:extLst>
       <p:ext uri="{BB962C8B-B14F-4D97-AF65-F5344CB8AC3E}">
-        <p14:creationId xmlns:p14="http://schemas.microsoft.com/office/powerpoint/2010/main" val="341505283"/>
+        <p14:creationId xmlns:p14="http://schemas.microsoft.com/office/powerpoint/2010/main" val="1908120205"/>
       </p:ext>
     </p:extLst>
   </p:cSld>
@@ -6477,8 +6571,8 @@
         </p:nvSpPr>
         <p:spPr>
           <a:xfrm>
-            <a:off x="730120" y="341221"/>
-            <a:ext cx="10731759" cy="1056686"/>
+            <a:off x="292474" y="341221"/>
+            <a:ext cx="11607052" cy="1056686"/>
           </a:xfrm>
         </p:spPr>
         <p:txBody>
@@ -6488,8 +6582,8 @@
           <a:lstStyle/>
           <a:p>
             <a:r>
-              <a:rPr lang="en-US" sz="3200" dirty="0"/>
-              <a:t>Histograms – Bandgap Top, Bottom, &amp; Center</a:t>
+              <a:rPr lang="en-US" sz="2800" dirty="0"/>
+              <a:t>7D Stochastic Collocation – MC Regression (N = 10000) – Bandgap Bottom</a:t>
             </a:r>
           </a:p>
         </p:txBody>
@@ -6525,7 +6619,7 @@
     </p:spTree>
     <p:extLst>
       <p:ext uri="{BB962C8B-B14F-4D97-AF65-F5344CB8AC3E}">
-        <p14:creationId xmlns:p14="http://schemas.microsoft.com/office/powerpoint/2010/main" val="1059356039"/>
+        <p14:creationId xmlns:p14="http://schemas.microsoft.com/office/powerpoint/2010/main" val="2246198568"/>
       </p:ext>
     </p:extLst>
   </p:cSld>
@@ -6557,7 +6651,7 @@
           <p:cNvPr id="2" name="Title 1">
             <a:extLst>
               <a:ext uri="{FF2B5EF4-FFF2-40B4-BE49-F238E27FC236}">
-                <a16:creationId xmlns:a16="http://schemas.microsoft.com/office/drawing/2014/main" id="{4A3CA758-6A17-8C51-7237-048A1FF3B783}"/>
+                <a16:creationId xmlns:a16="http://schemas.microsoft.com/office/drawing/2014/main" id="{6DCC4830-BA42-B1C9-F66B-F78F9E32BB1D}"/>
               </a:ext>
             </a:extLst>
           </p:cNvPr>
@@ -6568,31 +6662,40 @@
             <p:ph type="title"/>
           </p:nvPr>
         </p:nvSpPr>
-        <p:spPr/>
-        <p:txBody>
-          <a:bodyPr/>
+        <p:spPr>
+          <a:xfrm>
+            <a:off x="342900" y="341221"/>
+            <a:ext cx="11506199" cy="1056686"/>
+          </a:xfrm>
+        </p:spPr>
+        <p:txBody>
+          <a:bodyPr>
+            <a:noAutofit/>
+          </a:bodyPr>
           <a:lstStyle/>
           <a:p>
             <a:r>
-              <a:rPr lang="en-US" dirty="0"/>
-              <a:t>2D Histograms</a:t>
+              <a:rPr lang="en-US" sz="2800" dirty="0"/>
+              <a:t>7D Stochastic Collocation – MC Regression (N = 1000) – Bandgap Center</a:t>
             </a:r>
           </a:p>
         </p:txBody>
       </p:sp>
       <p:pic>
         <p:nvPicPr>
-          <p:cNvPr id="13" name="Picture 12">
-            <a:extLst>
-              <a:ext uri="{FF2B5EF4-FFF2-40B4-BE49-F238E27FC236}">
-                <a16:creationId xmlns:a16="http://schemas.microsoft.com/office/drawing/2014/main" id="{EA6512F5-051F-B774-200B-47343643C1A6}"/>
+          <p:cNvPr id="5" name="Content Placeholder 4">
+            <a:extLst>
+              <a:ext uri="{FF2B5EF4-FFF2-40B4-BE49-F238E27FC236}">
+                <a16:creationId xmlns:a16="http://schemas.microsoft.com/office/drawing/2014/main" id="{CAE9A72B-8A68-6F30-1013-174001A44746}"/>
               </a:ext>
             </a:extLst>
           </p:cNvPr>
           <p:cNvPicPr>
-            <a:picLocks noChangeAspect="1"/>
+            <a:picLocks noGrp="1" noChangeAspect="1"/>
           </p:cNvPicPr>
-          <p:nvPr/>
+          <p:nvPr>
+            <p:ph idx="1"/>
+          </p:nvPr>
         </p:nvPicPr>
         <p:blipFill>
           <a:blip r:embed="rId2"/>
@@ -6601,18 +6704,15 @@
         </p:blipFill>
         <p:spPr>
           <a:xfrm>
-            <a:off x="43349" y="1260755"/>
-            <a:ext cx="12105302" cy="4336489"/>
-          </a:xfrm>
-          <a:prstGeom prst="rect">
-            <a:avLst/>
-          </a:prstGeom>
+            <a:off x="838200" y="1626802"/>
+            <a:ext cx="10515600" cy="4361634"/>
+          </a:xfrm>
         </p:spPr>
       </p:pic>
     </p:spTree>
     <p:extLst>
       <p:ext uri="{BB962C8B-B14F-4D97-AF65-F5344CB8AC3E}">
-        <p14:creationId xmlns:p14="http://schemas.microsoft.com/office/powerpoint/2010/main" val="3518563778"/>
+        <p14:creationId xmlns:p14="http://schemas.microsoft.com/office/powerpoint/2010/main" val="171001937"/>
       </p:ext>
     </p:extLst>
   </p:cSld>
@@ -6644,7 +6744,7 @@
           <p:cNvPr id="2" name="Title 1">
             <a:extLst>
               <a:ext uri="{FF2B5EF4-FFF2-40B4-BE49-F238E27FC236}">
-                <a16:creationId xmlns:a16="http://schemas.microsoft.com/office/drawing/2014/main" id="{4A3CA758-6A17-8C51-7237-048A1FF3B783}"/>
+                <a16:creationId xmlns:a16="http://schemas.microsoft.com/office/drawing/2014/main" id="{6DCC4830-BA42-B1C9-F66B-F78F9E32BB1D}"/>
               </a:ext>
             </a:extLst>
           </p:cNvPr>
@@ -6655,51 +6755,57 @@
             <p:ph type="title"/>
           </p:nvPr>
         </p:nvSpPr>
-        <p:spPr/>
-        <p:txBody>
-          <a:bodyPr/>
+        <p:spPr>
+          <a:xfrm>
+            <a:off x="292474" y="341221"/>
+            <a:ext cx="11607052" cy="1056686"/>
+          </a:xfrm>
+        </p:spPr>
+        <p:txBody>
+          <a:bodyPr>
+            <a:noAutofit/>
+          </a:bodyPr>
           <a:lstStyle/>
           <a:p>
             <a:r>
-              <a:rPr lang="en-US" dirty="0"/>
-              <a:t>2D Histograms</a:t>
+              <a:rPr lang="en-US" sz="2800" dirty="0"/>
+              <a:t>7D Stochastic Collocation – MC Regression (N = 10000) – Bandgap Center</a:t>
             </a:r>
           </a:p>
         </p:txBody>
       </p:sp>
       <p:pic>
         <p:nvPicPr>
-          <p:cNvPr id="13" name="Picture 12">
-            <a:extLst>
-              <a:ext uri="{FF2B5EF4-FFF2-40B4-BE49-F238E27FC236}">
-                <a16:creationId xmlns:a16="http://schemas.microsoft.com/office/drawing/2014/main" id="{EA6512F5-051F-B774-200B-47343643C1A6}"/>
+          <p:cNvPr id="5" name="Content Placeholder 4">
+            <a:extLst>
+              <a:ext uri="{FF2B5EF4-FFF2-40B4-BE49-F238E27FC236}">
+                <a16:creationId xmlns:a16="http://schemas.microsoft.com/office/drawing/2014/main" id="{CAE9A72B-8A68-6F30-1013-174001A44746}"/>
               </a:ext>
             </a:extLst>
           </p:cNvPr>
           <p:cNvPicPr>
-            <a:picLocks noChangeAspect="1"/>
+            <a:picLocks noGrp="1" noChangeAspect="1"/>
           </p:cNvPicPr>
-          <p:nvPr/>
+          <p:nvPr>
+            <p:ph idx="1"/>
+          </p:nvPr>
         </p:nvPicPr>
         <p:blipFill>
-          <a:blip r:embed="rId3"/>
+          <a:blip r:embed="rId2"/>
           <a:srcRect/>
           <a:stretch/>
         </p:blipFill>
         <p:spPr>
           <a:xfrm>
-            <a:off x="43350" y="1260755"/>
-            <a:ext cx="12105300" cy="4336488"/>
-          </a:xfrm>
-          <a:prstGeom prst="rect">
-            <a:avLst/>
-          </a:prstGeom>
+            <a:off x="838200" y="1626802"/>
+            <a:ext cx="10515600" cy="4361634"/>
+          </a:xfrm>
         </p:spPr>
       </p:pic>
     </p:spTree>
     <p:extLst>
       <p:ext uri="{BB962C8B-B14F-4D97-AF65-F5344CB8AC3E}">
-        <p14:creationId xmlns:p14="http://schemas.microsoft.com/office/powerpoint/2010/main" val="365885475"/>
+        <p14:creationId xmlns:p14="http://schemas.microsoft.com/office/powerpoint/2010/main" val="884869195"/>
       </p:ext>
     </p:extLst>
   </p:cSld>
@@ -6731,7 +6837,7 @@
           <p:cNvPr id="2" name="Title 1">
             <a:extLst>
               <a:ext uri="{FF2B5EF4-FFF2-40B4-BE49-F238E27FC236}">
-                <a16:creationId xmlns:a16="http://schemas.microsoft.com/office/drawing/2014/main" id="{6391A121-E91A-D632-84C2-8F51F2B330EF}"/>
+                <a16:creationId xmlns:a16="http://schemas.microsoft.com/office/drawing/2014/main" id="{6DCC4830-BA42-B1C9-F66B-F78F9E32BB1D}"/>
               </a:ext>
             </a:extLst>
           </p:cNvPr>
@@ -6742,83 +6848,238 @@
             <p:ph type="title"/>
           </p:nvPr>
         </p:nvSpPr>
-        <p:spPr/>
-        <p:txBody>
-          <a:bodyPr/>
+        <p:spPr>
+          <a:xfrm>
+            <a:off x="730120" y="341221"/>
+            <a:ext cx="10731759" cy="1056686"/>
+          </a:xfrm>
+        </p:spPr>
+        <p:txBody>
+          <a:bodyPr>
+            <a:noAutofit/>
+          </a:bodyPr>
           <a:lstStyle/>
           <a:p>
-            <a:endParaRPr lang="en-US"/>
-          </a:p>
-        </p:txBody>
-      </p:sp>
-      <p:sp>
-        <p:nvSpPr>
-          <p:cNvPr id="3" name="Content Placeholder 2">
-            <a:extLst>
-              <a:ext uri="{FF2B5EF4-FFF2-40B4-BE49-F238E27FC236}">
-                <a16:creationId xmlns:a16="http://schemas.microsoft.com/office/drawing/2014/main" id="{7E223DBE-B3B7-29E3-193F-7DEB94ABDAAE}"/>
-              </a:ext>
-            </a:extLst>
-          </p:cNvPr>
-          <p:cNvSpPr>
-            <a:spLocks noGrp="1"/>
-          </p:cNvSpPr>
+            <a:r>
+              <a:rPr lang="en-US" sz="3200"/>
+              <a:t>Histograms – Bandgap Top, Bottom, &amp; Size</a:t>
+            </a:r>
+            <a:endParaRPr lang="en-US" sz="3200" dirty="0"/>
+          </a:p>
+        </p:txBody>
+      </p:sp>
+      <p:pic>
+        <p:nvPicPr>
+          <p:cNvPr id="5" name="Content Placeholder 4">
+            <a:extLst>
+              <a:ext uri="{FF2B5EF4-FFF2-40B4-BE49-F238E27FC236}">
+                <a16:creationId xmlns:a16="http://schemas.microsoft.com/office/drawing/2014/main" id="{CAE9A72B-8A68-6F30-1013-174001A44746}"/>
+              </a:ext>
+            </a:extLst>
+          </p:cNvPr>
+          <p:cNvPicPr>
+            <a:picLocks noGrp="1" noChangeAspect="1"/>
+          </p:cNvPicPr>
           <p:nvPr>
             <p:ph idx="1"/>
           </p:nvPr>
-        </p:nvSpPr>
-        <p:spPr/>
-        <p:txBody>
-          <a:bodyPr/>
-          <a:lstStyle/>
-          <a:p>
-            <a:r>
-              <a:rPr lang="en-US" dirty="0" err="1"/>
-              <a:t>E_soft</a:t>
-            </a:r>
-            <a:endParaRPr lang="en-US" dirty="0"/>
-          </a:p>
-          <a:p>
-            <a:r>
-              <a:rPr lang="en-US" dirty="0" err="1"/>
-              <a:t>E_hard</a:t>
-            </a:r>
-            <a:endParaRPr lang="en-US" dirty="0"/>
-          </a:p>
-          <a:p>
-            <a:r>
-              <a:rPr lang="en-US" dirty="0" err="1"/>
-              <a:t>Rho_soft</a:t>
-            </a:r>
-            <a:endParaRPr lang="en-US" dirty="0"/>
-          </a:p>
-          <a:p>
-            <a:r>
-              <a:rPr lang="en-US" dirty="0" err="1"/>
-              <a:t>Rho_hard</a:t>
-            </a:r>
-            <a:endParaRPr lang="en-US" dirty="0"/>
-          </a:p>
-          <a:p>
-            <a:r>
-              <a:rPr lang="en-US" dirty="0" err="1"/>
-              <a:t>Pr_soft</a:t>
-            </a:r>
-            <a:endParaRPr lang="en-US" dirty="0"/>
-          </a:p>
-          <a:p>
-            <a:r>
-              <a:rPr lang="en-US" dirty="0" err="1"/>
-              <a:t>Pr_hard</a:t>
-            </a:r>
-            <a:endParaRPr lang="en-US" dirty="0"/>
-          </a:p>
-        </p:txBody>
-      </p:sp>
+        </p:nvPicPr>
+        <p:blipFill>
+          <a:blip r:embed="rId2"/>
+          <a:srcRect/>
+          <a:stretch/>
+        </p:blipFill>
+        <p:spPr>
+          <a:xfrm>
+            <a:off x="838200" y="1626802"/>
+            <a:ext cx="10515600" cy="4361634"/>
+          </a:xfrm>
+        </p:spPr>
+      </p:pic>
     </p:spTree>
     <p:extLst>
       <p:ext uri="{BB962C8B-B14F-4D97-AF65-F5344CB8AC3E}">
-        <p14:creationId xmlns:p14="http://schemas.microsoft.com/office/powerpoint/2010/main" val="4278976690"/>
+        <p14:creationId xmlns:p14="http://schemas.microsoft.com/office/powerpoint/2010/main" val="341505283"/>
+      </p:ext>
+    </p:extLst>
+  </p:cSld>
+  <p:clrMapOvr>
+    <a:masterClrMapping/>
+  </p:clrMapOvr>
+</p:sld>
+</file>
+
+<file path=ppt/slides/slide28.xml><?xml version="1.0" encoding="utf-8"?>
+<p:sld xmlns:a="http://schemas.openxmlformats.org/drawingml/2006/main" xmlns:r="http://schemas.openxmlformats.org/officeDocument/2006/relationships" xmlns:p="http://schemas.openxmlformats.org/presentationml/2006/main">
+  <p:cSld>
+    <p:spTree>
+      <p:nvGrpSpPr>
+        <p:cNvPr id="1" name=""/>
+        <p:cNvGrpSpPr/>
+        <p:nvPr/>
+      </p:nvGrpSpPr>
+      <p:grpSpPr>
+        <a:xfrm>
+          <a:off x="0" y="0"/>
+          <a:ext cx="0" cy="0"/>
+          <a:chOff x="0" y="0"/>
+          <a:chExt cx="0" cy="0"/>
+        </a:xfrm>
+      </p:grpSpPr>
+      <p:sp>
+        <p:nvSpPr>
+          <p:cNvPr id="2" name="Title 1">
+            <a:extLst>
+              <a:ext uri="{FF2B5EF4-FFF2-40B4-BE49-F238E27FC236}">
+                <a16:creationId xmlns:a16="http://schemas.microsoft.com/office/drawing/2014/main" id="{6DCC4830-BA42-B1C9-F66B-F78F9E32BB1D}"/>
+              </a:ext>
+            </a:extLst>
+          </p:cNvPr>
+          <p:cNvSpPr>
+            <a:spLocks noGrp="1"/>
+          </p:cNvSpPr>
+          <p:nvPr>
+            <p:ph type="title"/>
+          </p:nvPr>
+        </p:nvSpPr>
+        <p:spPr>
+          <a:xfrm>
+            <a:off x="730120" y="341221"/>
+            <a:ext cx="10731759" cy="1056686"/>
+          </a:xfrm>
+        </p:spPr>
+        <p:txBody>
+          <a:bodyPr>
+            <a:noAutofit/>
+          </a:bodyPr>
+          <a:lstStyle/>
+          <a:p>
+            <a:r>
+              <a:rPr lang="en-US" sz="3200" dirty="0"/>
+              <a:t>Histograms – Bandgap Top, Bottom, &amp; Center</a:t>
+            </a:r>
+          </a:p>
+        </p:txBody>
+      </p:sp>
+      <p:pic>
+        <p:nvPicPr>
+          <p:cNvPr id="5" name="Content Placeholder 4">
+            <a:extLst>
+              <a:ext uri="{FF2B5EF4-FFF2-40B4-BE49-F238E27FC236}">
+                <a16:creationId xmlns:a16="http://schemas.microsoft.com/office/drawing/2014/main" id="{CAE9A72B-8A68-6F30-1013-174001A44746}"/>
+              </a:ext>
+            </a:extLst>
+          </p:cNvPr>
+          <p:cNvPicPr>
+            <a:picLocks noGrp="1" noChangeAspect="1"/>
+          </p:cNvPicPr>
+          <p:nvPr>
+            <p:ph idx="1"/>
+          </p:nvPr>
+        </p:nvPicPr>
+        <p:blipFill>
+          <a:blip r:embed="rId2"/>
+          <a:srcRect/>
+          <a:stretch/>
+        </p:blipFill>
+        <p:spPr>
+          <a:xfrm>
+            <a:off x="838200" y="1626802"/>
+            <a:ext cx="10515600" cy="4361634"/>
+          </a:xfrm>
+        </p:spPr>
+      </p:pic>
+    </p:spTree>
+    <p:extLst>
+      <p:ext uri="{BB962C8B-B14F-4D97-AF65-F5344CB8AC3E}">
+        <p14:creationId xmlns:p14="http://schemas.microsoft.com/office/powerpoint/2010/main" val="1059356039"/>
+      </p:ext>
+    </p:extLst>
+  </p:cSld>
+  <p:clrMapOvr>
+    <a:masterClrMapping/>
+  </p:clrMapOvr>
+</p:sld>
+</file>
+
+<file path=ppt/slides/slide29.xml><?xml version="1.0" encoding="utf-8"?>
+<p:sld xmlns:a="http://schemas.openxmlformats.org/drawingml/2006/main" xmlns:r="http://schemas.openxmlformats.org/officeDocument/2006/relationships" xmlns:p="http://schemas.openxmlformats.org/presentationml/2006/main">
+  <p:cSld>
+    <p:spTree>
+      <p:nvGrpSpPr>
+        <p:cNvPr id="1" name=""/>
+        <p:cNvGrpSpPr/>
+        <p:nvPr/>
+      </p:nvGrpSpPr>
+      <p:grpSpPr>
+        <a:xfrm>
+          <a:off x="0" y="0"/>
+          <a:ext cx="0" cy="0"/>
+          <a:chOff x="0" y="0"/>
+          <a:chExt cx="0" cy="0"/>
+        </a:xfrm>
+      </p:grpSpPr>
+      <p:sp>
+        <p:nvSpPr>
+          <p:cNvPr id="2" name="Title 1">
+            <a:extLst>
+              <a:ext uri="{FF2B5EF4-FFF2-40B4-BE49-F238E27FC236}">
+                <a16:creationId xmlns:a16="http://schemas.microsoft.com/office/drawing/2014/main" id="{4A3CA758-6A17-8C51-7237-048A1FF3B783}"/>
+              </a:ext>
+            </a:extLst>
+          </p:cNvPr>
+          <p:cNvSpPr>
+            <a:spLocks noGrp="1"/>
+          </p:cNvSpPr>
+          <p:nvPr>
+            <p:ph type="title"/>
+          </p:nvPr>
+        </p:nvSpPr>
+        <p:spPr/>
+        <p:txBody>
+          <a:bodyPr/>
+          <a:lstStyle/>
+          <a:p>
+            <a:r>
+              <a:rPr lang="en-US" dirty="0"/>
+              <a:t>2D Histograms</a:t>
+            </a:r>
+          </a:p>
+        </p:txBody>
+      </p:sp>
+      <p:pic>
+        <p:nvPicPr>
+          <p:cNvPr id="13" name="Picture 12">
+            <a:extLst>
+              <a:ext uri="{FF2B5EF4-FFF2-40B4-BE49-F238E27FC236}">
+                <a16:creationId xmlns:a16="http://schemas.microsoft.com/office/drawing/2014/main" id="{EA6512F5-051F-B774-200B-47343643C1A6}"/>
+              </a:ext>
+            </a:extLst>
+          </p:cNvPr>
+          <p:cNvPicPr>
+            <a:picLocks noChangeAspect="1"/>
+          </p:cNvPicPr>
+          <p:nvPr/>
+        </p:nvPicPr>
+        <p:blipFill>
+          <a:blip r:embed="rId3"/>
+          <a:srcRect/>
+          <a:stretch/>
+        </p:blipFill>
+        <p:spPr>
+          <a:xfrm>
+            <a:off x="43350" y="1260755"/>
+            <a:ext cx="12105300" cy="4336488"/>
+          </a:xfrm>
+          <a:prstGeom prst="rect">
+            <a:avLst/>
+          </a:prstGeom>
+        </p:spPr>
+      </p:pic>
+    </p:spTree>
+    <p:extLst>
+      <p:ext uri="{BB962C8B-B14F-4D97-AF65-F5344CB8AC3E}">
+        <p14:creationId xmlns:p14="http://schemas.microsoft.com/office/powerpoint/2010/main" val="365885475"/>
       </p:ext>
     </p:extLst>
   </p:cSld>
@@ -6941,6 +7202,212 @@
     <p:extLst>
       <p:ext uri="{BB962C8B-B14F-4D97-AF65-F5344CB8AC3E}">
         <p14:creationId xmlns:p14="http://schemas.microsoft.com/office/powerpoint/2010/main" val="3601365085"/>
+      </p:ext>
+    </p:extLst>
+  </p:cSld>
+  <p:clrMapOvr>
+    <a:masterClrMapping/>
+  </p:clrMapOvr>
+</p:sld>
+</file>
+
+<file path=ppt/slides/slide30.xml><?xml version="1.0" encoding="utf-8"?>
+<p:sld xmlns:a="http://schemas.openxmlformats.org/drawingml/2006/main" xmlns:r="http://schemas.openxmlformats.org/officeDocument/2006/relationships" xmlns:p="http://schemas.openxmlformats.org/presentationml/2006/main">
+  <p:cSld>
+    <p:spTree>
+      <p:nvGrpSpPr>
+        <p:cNvPr id="1" name=""/>
+        <p:cNvGrpSpPr/>
+        <p:nvPr/>
+      </p:nvGrpSpPr>
+      <p:grpSpPr>
+        <a:xfrm>
+          <a:off x="0" y="0"/>
+          <a:ext cx="0" cy="0"/>
+          <a:chOff x="0" y="0"/>
+          <a:chExt cx="0" cy="0"/>
+        </a:xfrm>
+      </p:grpSpPr>
+      <p:sp>
+        <p:nvSpPr>
+          <p:cNvPr id="2" name="Title 1">
+            <a:extLst>
+              <a:ext uri="{FF2B5EF4-FFF2-40B4-BE49-F238E27FC236}">
+                <a16:creationId xmlns:a16="http://schemas.microsoft.com/office/drawing/2014/main" id="{4A3CA758-6A17-8C51-7237-048A1FF3B783}"/>
+              </a:ext>
+            </a:extLst>
+          </p:cNvPr>
+          <p:cNvSpPr>
+            <a:spLocks noGrp="1"/>
+          </p:cNvSpPr>
+          <p:nvPr>
+            <p:ph type="title"/>
+          </p:nvPr>
+        </p:nvSpPr>
+        <p:spPr/>
+        <p:txBody>
+          <a:bodyPr/>
+          <a:lstStyle/>
+          <a:p>
+            <a:r>
+              <a:rPr lang="en-US" dirty="0"/>
+              <a:t>2D Histograms</a:t>
+            </a:r>
+          </a:p>
+        </p:txBody>
+      </p:sp>
+      <p:pic>
+        <p:nvPicPr>
+          <p:cNvPr id="13" name="Picture 12">
+            <a:extLst>
+              <a:ext uri="{FF2B5EF4-FFF2-40B4-BE49-F238E27FC236}">
+                <a16:creationId xmlns:a16="http://schemas.microsoft.com/office/drawing/2014/main" id="{EA6512F5-051F-B774-200B-47343643C1A6}"/>
+              </a:ext>
+            </a:extLst>
+          </p:cNvPr>
+          <p:cNvPicPr>
+            <a:picLocks noChangeAspect="1"/>
+          </p:cNvPicPr>
+          <p:nvPr/>
+        </p:nvPicPr>
+        <p:blipFill>
+          <a:blip r:embed="rId2"/>
+          <a:srcRect/>
+          <a:stretch/>
+        </p:blipFill>
+        <p:spPr>
+          <a:xfrm>
+            <a:off x="43349" y="1260755"/>
+            <a:ext cx="12105302" cy="4336489"/>
+          </a:xfrm>
+          <a:prstGeom prst="rect">
+            <a:avLst/>
+          </a:prstGeom>
+        </p:spPr>
+      </p:pic>
+    </p:spTree>
+    <p:extLst>
+      <p:ext uri="{BB962C8B-B14F-4D97-AF65-F5344CB8AC3E}">
+        <p14:creationId xmlns:p14="http://schemas.microsoft.com/office/powerpoint/2010/main" val="3518563778"/>
+      </p:ext>
+    </p:extLst>
+  </p:cSld>
+  <p:clrMapOvr>
+    <a:masterClrMapping/>
+  </p:clrMapOvr>
+</p:sld>
+</file>
+
+<file path=ppt/slides/slide31.xml><?xml version="1.0" encoding="utf-8"?>
+<p:sld xmlns:a="http://schemas.openxmlformats.org/drawingml/2006/main" xmlns:r="http://schemas.openxmlformats.org/officeDocument/2006/relationships" xmlns:p="http://schemas.openxmlformats.org/presentationml/2006/main">
+  <p:cSld>
+    <p:spTree>
+      <p:nvGrpSpPr>
+        <p:cNvPr id="1" name=""/>
+        <p:cNvGrpSpPr/>
+        <p:nvPr/>
+      </p:nvGrpSpPr>
+      <p:grpSpPr>
+        <a:xfrm>
+          <a:off x="0" y="0"/>
+          <a:ext cx="0" cy="0"/>
+          <a:chOff x="0" y="0"/>
+          <a:chExt cx="0" cy="0"/>
+        </a:xfrm>
+      </p:grpSpPr>
+      <p:sp>
+        <p:nvSpPr>
+          <p:cNvPr id="2" name="Title 1">
+            <a:extLst>
+              <a:ext uri="{FF2B5EF4-FFF2-40B4-BE49-F238E27FC236}">
+                <a16:creationId xmlns:a16="http://schemas.microsoft.com/office/drawing/2014/main" id="{6391A121-E91A-D632-84C2-8F51F2B330EF}"/>
+              </a:ext>
+            </a:extLst>
+          </p:cNvPr>
+          <p:cNvSpPr>
+            <a:spLocks noGrp="1"/>
+          </p:cNvSpPr>
+          <p:nvPr>
+            <p:ph type="title"/>
+          </p:nvPr>
+        </p:nvSpPr>
+        <p:spPr/>
+        <p:txBody>
+          <a:bodyPr/>
+          <a:lstStyle/>
+          <a:p>
+            <a:endParaRPr lang="en-US"/>
+          </a:p>
+        </p:txBody>
+      </p:sp>
+      <p:sp>
+        <p:nvSpPr>
+          <p:cNvPr id="3" name="Content Placeholder 2">
+            <a:extLst>
+              <a:ext uri="{FF2B5EF4-FFF2-40B4-BE49-F238E27FC236}">
+                <a16:creationId xmlns:a16="http://schemas.microsoft.com/office/drawing/2014/main" id="{7E223DBE-B3B7-29E3-193F-7DEB94ABDAAE}"/>
+              </a:ext>
+            </a:extLst>
+          </p:cNvPr>
+          <p:cNvSpPr>
+            <a:spLocks noGrp="1"/>
+          </p:cNvSpPr>
+          <p:nvPr>
+            <p:ph idx="1"/>
+          </p:nvPr>
+        </p:nvSpPr>
+        <p:spPr/>
+        <p:txBody>
+          <a:bodyPr/>
+          <a:lstStyle/>
+          <a:p>
+            <a:r>
+              <a:rPr lang="en-US" dirty="0" err="1"/>
+              <a:t>E_soft</a:t>
+            </a:r>
+            <a:endParaRPr lang="en-US" dirty="0"/>
+          </a:p>
+          <a:p>
+            <a:r>
+              <a:rPr lang="en-US" dirty="0" err="1"/>
+              <a:t>E_hard</a:t>
+            </a:r>
+            <a:endParaRPr lang="en-US" dirty="0"/>
+          </a:p>
+          <a:p>
+            <a:r>
+              <a:rPr lang="en-US" dirty="0" err="1"/>
+              <a:t>Rho_soft</a:t>
+            </a:r>
+            <a:endParaRPr lang="en-US" dirty="0"/>
+          </a:p>
+          <a:p>
+            <a:r>
+              <a:rPr lang="en-US" dirty="0" err="1"/>
+              <a:t>Rho_hard</a:t>
+            </a:r>
+            <a:endParaRPr lang="en-US" dirty="0"/>
+          </a:p>
+          <a:p>
+            <a:r>
+              <a:rPr lang="en-US" dirty="0" err="1"/>
+              <a:t>Pr_soft</a:t>
+            </a:r>
+            <a:endParaRPr lang="en-US" dirty="0"/>
+          </a:p>
+          <a:p>
+            <a:r>
+              <a:rPr lang="en-US" dirty="0" err="1"/>
+              <a:t>Pr_hard</a:t>
+            </a:r>
+            <a:endParaRPr lang="en-US" dirty="0"/>
+          </a:p>
+        </p:txBody>
+      </p:sp>
+    </p:spTree>
+    <p:extLst>
+      <p:ext uri="{BB962C8B-B14F-4D97-AF65-F5344CB8AC3E}">
+        <p14:creationId xmlns:p14="http://schemas.microsoft.com/office/powerpoint/2010/main" val="4278976690"/>
       </p:ext>
     </p:extLst>
   </p:cSld>
@@ -7401,7 +7868,7 @@
           <p:cNvPr id="2" name="Title 1">
             <a:extLst>
               <a:ext uri="{FF2B5EF4-FFF2-40B4-BE49-F238E27FC236}">
-                <a16:creationId xmlns:a16="http://schemas.microsoft.com/office/drawing/2014/main" id="{3A6E25C4-0E70-13FA-3397-72BFBB2F2D6D}"/>
+                <a16:creationId xmlns:a16="http://schemas.microsoft.com/office/drawing/2014/main" id="{6391A121-E91A-D632-84C2-8F51F2B330EF}"/>
               </a:ext>
             </a:extLst>
           </p:cNvPr>
@@ -7419,7 +7886,7 @@
           <a:p>
             <a:r>
               <a:rPr lang="en-US" dirty="0"/>
-              <a:t>The Geometry Uncertainty Problem</a:t>
+              <a:t>7D Gamma-Beta Distributions</a:t>
             </a:r>
           </a:p>
         </p:txBody>
@@ -7429,7 +7896,7 @@
           <p:cNvPr id="3" name="Content Placeholder 2">
             <a:extLst>
               <a:ext uri="{FF2B5EF4-FFF2-40B4-BE49-F238E27FC236}">
-                <a16:creationId xmlns:a16="http://schemas.microsoft.com/office/drawing/2014/main" id="{B37A6507-D72A-2779-D9A6-D4C0B65BD9D6}"/>
+                <a16:creationId xmlns:a16="http://schemas.microsoft.com/office/drawing/2014/main" id="{7E223DBE-B3B7-29E3-193F-7DEB94ABDAAE}"/>
               </a:ext>
             </a:extLst>
           </p:cNvPr>
@@ -7440,109 +7907,78 @@
             <p:ph idx="1"/>
           </p:nvPr>
         </p:nvSpPr>
-        <p:spPr>
-          <a:xfrm>
-            <a:off x="838200" y="1161294"/>
-            <a:ext cx="10515600" cy="5015669"/>
-          </a:xfrm>
-        </p:spPr>
-        <p:txBody>
-          <a:bodyPr>
-            <a:normAutofit fontScale="62500" lnSpcReduction="20000"/>
-          </a:bodyPr>
+        <p:spPr/>
+        <p:txBody>
+          <a:bodyPr/>
           <a:lstStyle/>
           <a:p>
             <a:r>
+              <a:rPr lang="en-US" dirty="0" err="1"/>
+              <a:t>Rho_soft</a:t>
+            </a:r>
+            <a:r>
               <a:rPr lang="en-US" dirty="0"/>
-              <a:t>Curse of dimensionality limits possibilities with UQ on geometry. </a:t>
-            </a:r>
-          </a:p>
-          <a:p>
+              <a:t>: Gamma</a:t>
+            </a:r>
+          </a:p>
+          <a:p>
+            <a:r>
+              <a:rPr lang="en-US" dirty="0" err="1"/>
+              <a:t>Rho_hard</a:t>
+            </a:r>
             <a:r>
               <a:rPr lang="en-US" dirty="0"/>
-              <a:t>Candidate approach: Individual Pixel Specification</a:t>
-            </a:r>
-          </a:p>
-          <a:p>
-            <a:pPr lvl="1"/>
+              <a:t>: Gamma</a:t>
+            </a:r>
+          </a:p>
+          <a:p>
+            <a:r>
+              <a:rPr lang="en-US" dirty="0" err="1"/>
+              <a:t>K_soft</a:t>
+            </a:r>
             <a:r>
               <a:rPr lang="en-US" dirty="0"/>
-              <a:t>Treat each pixel as a separate input with some value between 0-1 representing a ratio of how much hard and soft material is in that pixel.</a:t>
-            </a:r>
-          </a:p>
-          <a:p>
-            <a:pPr lvl="1"/>
+              <a:t>: Gamma</a:t>
+            </a:r>
+          </a:p>
+          <a:p>
+            <a:r>
+              <a:rPr lang="en-US" dirty="0" err="1"/>
+              <a:t>K_hard</a:t>
+            </a:r>
             <a:r>
               <a:rPr lang="en-US" dirty="0"/>
-              <a:t>Pros: Intuitive, simple, deterministic</a:t>
-            </a:r>
-          </a:p>
-          <a:p>
-            <a:pPr lvl="1"/>
+              <a:t>: Gamma</a:t>
+            </a:r>
+          </a:p>
+          <a:p>
+            <a:r>
+              <a:rPr lang="en-US" dirty="0" err="1"/>
+              <a:t>G_soft</a:t>
+            </a:r>
             <a:r>
               <a:rPr lang="en-US" dirty="0"/>
-              <a:t>Cons: Input dimensions scales with pixel count</a:t>
-            </a:r>
-          </a:p>
-          <a:p>
+              <a:t>: Gamma</a:t>
+            </a:r>
+          </a:p>
+          <a:p>
+            <a:r>
+              <a:rPr lang="en-US" dirty="0" err="1"/>
+              <a:t>G_hard</a:t>
+            </a:r>
             <a:r>
               <a:rPr lang="en-US" dirty="0"/>
-              <a:t>Candidate approach: Latent parameters w/ ML algorithms (Wei’s group)</a:t>
-            </a:r>
-          </a:p>
-          <a:p>
-            <a:pPr lvl="1"/>
+              <a:t>: Gamma</a:t>
+            </a:r>
+          </a:p>
+          <a:p>
+            <a:r>
+              <a:rPr lang="en-US" dirty="0" err="1"/>
+              <a:t>Geo_fp</a:t>
+            </a:r>
             <a:r>
               <a:rPr lang="en-US" dirty="0"/>
-              <a:t>Use ML algorithms to generate realistic defects, forcing the neural architecture to be such that there are a small fixed number of “latent” parameters that specify the defect.</a:t>
-            </a:r>
-          </a:p>
-          <a:p>
-            <a:pPr lvl="1"/>
-            <a:r>
-              <a:rPr lang="en-US" dirty="0"/>
-              <a:t>Pros: Can be deterministic?, NN tunable to give certain types of defects preferentially</a:t>
-            </a:r>
-          </a:p>
-          <a:p>
-            <a:pPr lvl="1"/>
-            <a:r>
-              <a:rPr lang="en-US" dirty="0"/>
-              <a:t>Cons: Latent parameters are by definition not reflective of physical quantities, and thus difficult for any user to assign a distribution to given a real world problem.</a:t>
-            </a:r>
-          </a:p>
-          <a:p>
-            <a:r>
-              <a:rPr lang="en-US" dirty="0"/>
-              <a:t>Candidate approach: Edge pixel flip chance</a:t>
-            </a:r>
-          </a:p>
-          <a:p>
-            <a:pPr lvl="1"/>
-            <a:r>
-              <a:rPr lang="en-US" dirty="0"/>
-              <a:t>For any given geometry, locate subset of pixels that are at the edge between hard and soft materials. One value, the flip chance, is applied to all these pixels to get random flipping of pixels to generate defective shapes.</a:t>
-            </a:r>
-          </a:p>
-          <a:p>
-            <a:pPr lvl="1"/>
-            <a:r>
-              <a:rPr lang="en-US" dirty="0"/>
-              <a:t>Pros: 1D input regardless of geometry complexity, meaningful physical parameter</a:t>
-            </a:r>
-          </a:p>
-          <a:p>
-            <a:pPr lvl="1"/>
-            <a:r>
-              <a:rPr lang="en-US" dirty="0"/>
-              <a:t>Cons: NOT deterministic, which means this is only a valid geometry UQ approach if the distribution from geometry defects alone is small for any given flip chance, relative to the distribution from variations in material properties. I.e. all defects of a certain flip chance are similar in their impact on outputs of interest.</a:t>
-            </a:r>
-          </a:p>
-          <a:p>
-            <a:pPr lvl="1"/>
-            <a:r>
-              <a:rPr lang="en-US" dirty="0"/>
-              <a:t>Variations: Specify no. of flipped pixels instead of flip chance; include/exclude soft material from the edge pixel subset; count touching corners as edge pixels.</a:t>
+              <a:t>: Beta</a:t>
             </a:r>
           </a:p>
         </p:txBody>
@@ -7550,7 +7986,7 @@
     </p:spTree>
     <p:extLst>
       <p:ext uri="{BB962C8B-B14F-4D97-AF65-F5344CB8AC3E}">
-        <p14:creationId xmlns:p14="http://schemas.microsoft.com/office/powerpoint/2010/main" val="983418227"/>
+        <p14:creationId xmlns:p14="http://schemas.microsoft.com/office/powerpoint/2010/main" val="2466462961"/>
       </p:ext>
     </p:extLst>
   </p:cSld>
@@ -7582,7 +8018,7 @@
           <p:cNvPr id="2" name="Title 1">
             <a:extLst>
               <a:ext uri="{FF2B5EF4-FFF2-40B4-BE49-F238E27FC236}">
-                <a16:creationId xmlns:a16="http://schemas.microsoft.com/office/drawing/2014/main" id="{DE9A25E5-E49D-B8C1-069F-E83D8A83DA79}"/>
+                <a16:creationId xmlns:a16="http://schemas.microsoft.com/office/drawing/2014/main" id="{6DCC4830-BA42-B1C9-F66B-F78F9E32BB1D}"/>
               </a:ext>
             </a:extLst>
           </p:cNvPr>
@@ -7593,7 +8029,12 @@
             <p:ph type="title"/>
           </p:nvPr>
         </p:nvSpPr>
-        <p:spPr/>
+        <p:spPr>
+          <a:xfrm>
+            <a:off x="730120" y="341221"/>
+            <a:ext cx="10731759" cy="1056686"/>
+          </a:xfrm>
+        </p:spPr>
         <p:txBody>
           <a:bodyPr>
             <a:noAutofit/>
@@ -7601,18 +8042,18 @@
           <a:lstStyle/>
           <a:p>
             <a:r>
-              <a:rPr lang="en-US" sz="3600" dirty="0"/>
-              <a:t>Edge Pixel Flip Proportion – Geometry Generation</a:t>
+              <a:rPr lang="en-US" sz="3200" dirty="0"/>
+              <a:t>Histograms – 7D Truncated Gamma 100 MC Inputs </a:t>
             </a:r>
           </a:p>
         </p:txBody>
       </p:sp>
       <p:pic>
         <p:nvPicPr>
-          <p:cNvPr id="5" name="Content Placeholder 4">
-            <a:extLst>
-              <a:ext uri="{FF2B5EF4-FFF2-40B4-BE49-F238E27FC236}">
-                <a16:creationId xmlns:a16="http://schemas.microsoft.com/office/drawing/2014/main" id="{B4D5F369-BB8F-09EB-6BBC-D52472D212F6}"/>
+          <p:cNvPr id="7" name="Content Placeholder 6">
+            <a:extLst>
+              <a:ext uri="{FF2B5EF4-FFF2-40B4-BE49-F238E27FC236}">
+                <a16:creationId xmlns:a16="http://schemas.microsoft.com/office/drawing/2014/main" id="{45C121E0-2D9F-1F26-2360-E24CA0CD5905}"/>
               </a:ext>
             </a:extLst>
           </p:cNvPr>
@@ -7624,21 +8065,21 @@
           </p:nvPr>
         </p:nvPicPr>
         <p:blipFill>
-          <a:blip r:embed="rId3"/>
+          <a:blip r:embed="rId2"/>
           <a:srcRect/>
           <a:stretch/>
         </p:blipFill>
         <p:spPr>
           <a:xfrm>
-            <a:off x="838200" y="2047759"/>
-            <a:ext cx="10515600" cy="3519719"/>
+            <a:off x="1337301" y="1438275"/>
+            <a:ext cx="9517398" cy="4738688"/>
           </a:xfrm>
         </p:spPr>
       </p:pic>
     </p:spTree>
     <p:extLst>
       <p:ext uri="{BB962C8B-B14F-4D97-AF65-F5344CB8AC3E}">
-        <p14:creationId xmlns:p14="http://schemas.microsoft.com/office/powerpoint/2010/main" val="4154470498"/>
+        <p14:creationId xmlns:p14="http://schemas.microsoft.com/office/powerpoint/2010/main" val="1971682610"/>
       </p:ext>
     </p:extLst>
   </p:cSld>
@@ -8448,20 +8889,20 @@
 </file>
 
 <file path=customXml/item2.xml><?xml version="1.0" encoding="utf-8"?>
-<p:properties xmlns:p="http://schemas.microsoft.com/office/2006/metadata/properties" xmlns:xsi="http://www.w3.org/2001/XMLSchema-instance" xmlns:pc="http://schemas.microsoft.com/office/infopath/2007/PartnerControls">
-  <documentManagement>
-    <_activity xmlns="5ab46313-7834-4214-aec9-155b2fe37111" xsi:nil="true"/>
-  </documentManagement>
-</p:properties>
-</file>
-
-<file path=customXml/item3.xml><?xml version="1.0" encoding="utf-8"?>
 <?mso-contentType ?>
 <FormTemplates xmlns="http://schemas.microsoft.com/sharepoint/v3/contenttype/forms">
   <Display>DocumentLibraryForm</Display>
   <Edit>DocumentLibraryForm</Edit>
   <New>DocumentLibraryForm</New>
 </FormTemplates>
+</file>
+
+<file path=customXml/item3.xml><?xml version="1.0" encoding="utf-8"?>
+<p:properties xmlns:p="http://schemas.microsoft.com/office/2006/metadata/properties" xmlns:xsi="http://www.w3.org/2001/XMLSchema-instance" xmlns:pc="http://schemas.microsoft.com/office/infopath/2007/PartnerControls">
+  <documentManagement>
+    <_activity xmlns="5ab46313-7834-4214-aec9-155b2fe37111" xsi:nil="true"/>
+  </documentManagement>
+</p:properties>
 </file>
 
 <file path=customXml/itemProps1.xml><?xml version="1.0" encoding="utf-8"?>
@@ -8484,6 +8925,14 @@
 </file>
 
 <file path=customXml/itemProps2.xml><?xml version="1.0" encoding="utf-8"?>
+<ds:datastoreItem xmlns:ds="http://schemas.openxmlformats.org/officeDocument/2006/customXml" ds:itemID="{B294D1B7-8679-422F-949D-1455F508E596}">
+  <ds:schemaRefs>
+    <ds:schemaRef ds:uri="http://schemas.microsoft.com/sharepoint/v3/contenttype/forms"/>
+  </ds:schemaRefs>
+</ds:datastoreItem>
+</file>
+
+<file path=customXml/itemProps3.xml><?xml version="1.0" encoding="utf-8"?>
 <ds:datastoreItem xmlns:ds="http://schemas.openxmlformats.org/officeDocument/2006/customXml" ds:itemID="{0748A49F-C736-4524-BB36-F11018D26634}">
   <ds:schemaRefs>
     <ds:schemaRef ds:uri="http://schemas.openxmlformats.org/package/2006/metadata/core-properties"/>
@@ -8498,12 +8947,4 @@
     <ds:schemaRef ds:uri="http://purl.org/dc/terms/"/>
   </ds:schemaRefs>
 </ds:datastoreItem>
-</file>
-
-<file path=customXml/itemProps3.xml><?xml version="1.0" encoding="utf-8"?>
-<ds:datastoreItem xmlns:ds="http://schemas.openxmlformats.org/officeDocument/2006/customXml" ds:itemID="{B294D1B7-8679-422F-949D-1455F508E596}">
-  <ds:schemaRefs>
-    <ds:schemaRef ds:uri="http://schemas.microsoft.com/sharepoint/v3/contenttype/forms"/>
-  </ds:schemaRefs>
-</ds:datastoreItem>
 </file>